--- a/References/Image Reference.pptx
+++ b/References/Image Reference.pptx
@@ -4,12 +4,16 @@
   <p:sldMasterIdLst>
     <p:sldMasterId id="2147483648" r:id="rId1"/>
   </p:sldMasterIdLst>
+  <p:notesMasterIdLst>
+    <p:notesMasterId r:id="rId8"/>
+  </p:notesMasterIdLst>
   <p:sldIdLst>
     <p:sldId id="258" r:id="rId2"/>
     <p:sldId id="256" r:id="rId3"/>
     <p:sldId id="257" r:id="rId4"/>
     <p:sldId id="259" r:id="rId5"/>
     <p:sldId id="260" r:id="rId6"/>
+    <p:sldId id="261" r:id="rId7"/>
   </p:sldIdLst>
   <p:sldSz cx="12192000" cy="6858000"/>
   <p:notesSz cx="6858000" cy="9144000"/>
@@ -116,6 +120,355 @@
 </p:presentation>
 </file>
 
+<file path=ppt/notesMasters/notesMaster1.xml><?xml version="1.0" encoding="utf-8"?>
+<p:notesMaster xmlns:a="http://schemas.openxmlformats.org/drawingml/2006/main" xmlns:r="http://schemas.openxmlformats.org/officeDocument/2006/relationships" xmlns:p="http://schemas.openxmlformats.org/presentationml/2006/main">
+  <p:cSld>
+    <p:bg>
+      <p:bgRef idx="1001">
+        <a:schemeClr val="bg1"/>
+      </p:bgRef>
+    </p:bg>
+    <p:spTree>
+      <p:nvGrpSpPr>
+        <p:cNvPr id="1" name=""/>
+        <p:cNvGrpSpPr/>
+        <p:nvPr/>
+      </p:nvGrpSpPr>
+      <p:grpSpPr>
+        <a:xfrm>
+          <a:off x="0" y="0"/>
+          <a:ext cx="0" cy="0"/>
+          <a:chOff x="0" y="0"/>
+          <a:chExt cx="0" cy="0"/>
+        </a:xfrm>
+      </p:grpSpPr>
+      <p:sp>
+        <p:nvSpPr>
+          <p:cNvPr id="2" name="머리글 개체 틀 1"/>
+          <p:cNvSpPr>
+            <a:spLocks noGrp="1"/>
+          </p:cNvSpPr>
+          <p:nvPr>
+            <p:ph type="hdr" sz="quarter"/>
+          </p:nvPr>
+        </p:nvSpPr>
+        <p:spPr>
+          <a:xfrm>
+            <a:off x="0" y="0"/>
+            <a:ext cx="2971800" cy="458788"/>
+          </a:xfrm>
+          <a:prstGeom prst="rect">
+            <a:avLst/>
+          </a:prstGeom>
+        </p:spPr>
+        <p:txBody>
+          <a:bodyPr vert="horz" lIns="91440" tIns="45720" rIns="91440" bIns="45720" rtlCol="0"/>
+          <a:lstStyle>
+            <a:lvl1pPr algn="l">
+              <a:defRPr sz="1200"/>
+            </a:lvl1pPr>
+          </a:lstStyle>
+          <a:p>
+            <a:endParaRPr lang="ko-KR" altLang="en-US"/>
+          </a:p>
+        </p:txBody>
+      </p:sp>
+      <p:sp>
+        <p:nvSpPr>
+          <p:cNvPr id="3" name="날짜 개체 틀 2"/>
+          <p:cNvSpPr>
+            <a:spLocks noGrp="1"/>
+          </p:cNvSpPr>
+          <p:nvPr>
+            <p:ph type="dt" idx="1"/>
+          </p:nvPr>
+        </p:nvSpPr>
+        <p:spPr>
+          <a:xfrm>
+            <a:off x="3884613" y="0"/>
+            <a:ext cx="2971800" cy="458788"/>
+          </a:xfrm>
+          <a:prstGeom prst="rect">
+            <a:avLst/>
+          </a:prstGeom>
+        </p:spPr>
+        <p:txBody>
+          <a:bodyPr vert="horz" lIns="91440" tIns="45720" rIns="91440" bIns="45720" rtlCol="0"/>
+          <a:lstStyle>
+            <a:lvl1pPr algn="r">
+              <a:defRPr sz="1200"/>
+            </a:lvl1pPr>
+          </a:lstStyle>
+          <a:p>
+            <a:fld id="{C6AD72AF-F704-4142-994F-BBE6233A7FEC}" type="datetimeFigureOut">
+              <a:rPr lang="ko-KR" altLang="en-US" smtClean="0"/>
+              <a:t>2023-03-21</a:t>
+            </a:fld>
+            <a:endParaRPr lang="ko-KR" altLang="en-US"/>
+          </a:p>
+        </p:txBody>
+      </p:sp>
+      <p:sp>
+        <p:nvSpPr>
+          <p:cNvPr id="4" name="슬라이드 이미지 개체 틀 3"/>
+          <p:cNvSpPr>
+            <a:spLocks noGrp="1" noRot="1" noChangeAspect="1"/>
+          </p:cNvSpPr>
+          <p:nvPr>
+            <p:ph type="sldImg" idx="2"/>
+          </p:nvPr>
+        </p:nvSpPr>
+        <p:spPr>
+          <a:xfrm>
+            <a:off x="685800" y="1143000"/>
+            <a:ext cx="5486400" cy="3086100"/>
+          </a:xfrm>
+          <a:prstGeom prst="rect">
+            <a:avLst/>
+          </a:prstGeom>
+          <a:noFill/>
+          <a:ln w="12700">
+            <a:solidFill>
+              <a:prstClr val="black"/>
+            </a:solidFill>
+          </a:ln>
+        </p:spPr>
+        <p:txBody>
+          <a:bodyPr vert="horz" lIns="91440" tIns="45720" rIns="91440" bIns="45720" rtlCol="0" anchor="ctr"/>
+          <a:lstStyle/>
+          <a:p>
+            <a:endParaRPr lang="ko-KR" altLang="en-US"/>
+          </a:p>
+        </p:txBody>
+      </p:sp>
+      <p:sp>
+        <p:nvSpPr>
+          <p:cNvPr id="5" name="슬라이드 노트 개체 틀 4"/>
+          <p:cNvSpPr>
+            <a:spLocks noGrp="1"/>
+          </p:cNvSpPr>
+          <p:nvPr>
+            <p:ph type="body" sz="quarter" idx="3"/>
+          </p:nvPr>
+        </p:nvSpPr>
+        <p:spPr>
+          <a:xfrm>
+            <a:off x="685800" y="4400550"/>
+            <a:ext cx="5486400" cy="3600450"/>
+          </a:xfrm>
+          <a:prstGeom prst="rect">
+            <a:avLst/>
+          </a:prstGeom>
+        </p:spPr>
+        <p:txBody>
+          <a:bodyPr vert="horz" lIns="91440" tIns="45720" rIns="91440" bIns="45720" rtlCol="0"/>
+          <a:lstStyle/>
+          <a:p>
+            <a:pPr lvl="0"/>
+            <a:r>
+              <a:rPr lang="ko-KR" altLang="en-US"/>
+              <a:t>마스터 텍스트 스타일을 편집하려면 클릭</a:t>
+            </a:r>
+          </a:p>
+          <a:p>
+            <a:pPr lvl="1"/>
+            <a:r>
+              <a:rPr lang="ko-KR" altLang="en-US"/>
+              <a:t>두 번째 수준</a:t>
+            </a:r>
+          </a:p>
+          <a:p>
+            <a:pPr lvl="2"/>
+            <a:r>
+              <a:rPr lang="ko-KR" altLang="en-US"/>
+              <a:t>세 번째 수준</a:t>
+            </a:r>
+          </a:p>
+          <a:p>
+            <a:pPr lvl="3"/>
+            <a:r>
+              <a:rPr lang="ko-KR" altLang="en-US"/>
+              <a:t>네 번째 수준</a:t>
+            </a:r>
+          </a:p>
+          <a:p>
+            <a:pPr lvl="4"/>
+            <a:r>
+              <a:rPr lang="ko-KR" altLang="en-US"/>
+              <a:t>다섯 번째 수준</a:t>
+            </a:r>
+          </a:p>
+        </p:txBody>
+      </p:sp>
+      <p:sp>
+        <p:nvSpPr>
+          <p:cNvPr id="6" name="바닥글 개체 틀 5"/>
+          <p:cNvSpPr>
+            <a:spLocks noGrp="1"/>
+          </p:cNvSpPr>
+          <p:nvPr>
+            <p:ph type="ftr" sz="quarter" idx="4"/>
+          </p:nvPr>
+        </p:nvSpPr>
+        <p:spPr>
+          <a:xfrm>
+            <a:off x="0" y="8685213"/>
+            <a:ext cx="2971800" cy="458787"/>
+          </a:xfrm>
+          <a:prstGeom prst="rect">
+            <a:avLst/>
+          </a:prstGeom>
+        </p:spPr>
+        <p:txBody>
+          <a:bodyPr vert="horz" lIns="91440" tIns="45720" rIns="91440" bIns="45720" rtlCol="0" anchor="b"/>
+          <a:lstStyle>
+            <a:lvl1pPr algn="l">
+              <a:defRPr sz="1200"/>
+            </a:lvl1pPr>
+          </a:lstStyle>
+          <a:p>
+            <a:endParaRPr lang="ko-KR" altLang="en-US"/>
+          </a:p>
+        </p:txBody>
+      </p:sp>
+      <p:sp>
+        <p:nvSpPr>
+          <p:cNvPr id="7" name="슬라이드 번호 개체 틀 6"/>
+          <p:cNvSpPr>
+            <a:spLocks noGrp="1"/>
+          </p:cNvSpPr>
+          <p:nvPr>
+            <p:ph type="sldNum" sz="quarter" idx="5"/>
+          </p:nvPr>
+        </p:nvSpPr>
+        <p:spPr>
+          <a:xfrm>
+            <a:off x="3884613" y="8685213"/>
+            <a:ext cx="2971800" cy="458787"/>
+          </a:xfrm>
+          <a:prstGeom prst="rect">
+            <a:avLst/>
+          </a:prstGeom>
+        </p:spPr>
+        <p:txBody>
+          <a:bodyPr vert="horz" lIns="91440" tIns="45720" rIns="91440" bIns="45720" rtlCol="0" anchor="b"/>
+          <a:lstStyle>
+            <a:lvl1pPr algn="r">
+              <a:defRPr sz="1200"/>
+            </a:lvl1pPr>
+          </a:lstStyle>
+          <a:p>
+            <a:fld id="{4C80F698-D953-49C5-94C9-D3D3DD2DC6B1}" type="slidenum">
+              <a:rPr lang="ko-KR" altLang="en-US" smtClean="0"/>
+              <a:t>‹#›</a:t>
+            </a:fld>
+            <a:endParaRPr lang="ko-KR" altLang="en-US"/>
+          </a:p>
+        </p:txBody>
+      </p:sp>
+    </p:spTree>
+    <p:extLst>
+      <p:ext uri="{BB962C8B-B14F-4D97-AF65-F5344CB8AC3E}">
+        <p14:creationId xmlns:p14="http://schemas.microsoft.com/office/powerpoint/2010/main" val="4129388233"/>
+      </p:ext>
+    </p:extLst>
+  </p:cSld>
+  <p:clrMap bg1="lt1" tx1="dk1" bg2="lt2" tx2="dk2" accent1="accent1" accent2="accent2" accent3="accent3" accent4="accent4" accent5="accent5" accent6="accent6" hlink="hlink" folHlink="folHlink"/>
+  <p:notesStyle>
+    <a:lvl1pPr marL="0" algn="l" defTabSz="914400" rtl="0" eaLnBrk="1" latinLnBrk="1" hangingPunct="1">
+      <a:defRPr sz="1200" kern="1200">
+        <a:solidFill>
+          <a:schemeClr val="tx1"/>
+        </a:solidFill>
+        <a:latin typeface="+mn-lt"/>
+        <a:ea typeface="+mn-ea"/>
+        <a:cs typeface="+mn-cs"/>
+      </a:defRPr>
+    </a:lvl1pPr>
+    <a:lvl2pPr marL="457200" algn="l" defTabSz="914400" rtl="0" eaLnBrk="1" latinLnBrk="1" hangingPunct="1">
+      <a:defRPr sz="1200" kern="1200">
+        <a:solidFill>
+          <a:schemeClr val="tx1"/>
+        </a:solidFill>
+        <a:latin typeface="+mn-lt"/>
+        <a:ea typeface="+mn-ea"/>
+        <a:cs typeface="+mn-cs"/>
+      </a:defRPr>
+    </a:lvl2pPr>
+    <a:lvl3pPr marL="914400" algn="l" defTabSz="914400" rtl="0" eaLnBrk="1" latinLnBrk="1" hangingPunct="1">
+      <a:defRPr sz="1200" kern="1200">
+        <a:solidFill>
+          <a:schemeClr val="tx1"/>
+        </a:solidFill>
+        <a:latin typeface="+mn-lt"/>
+        <a:ea typeface="+mn-ea"/>
+        <a:cs typeface="+mn-cs"/>
+      </a:defRPr>
+    </a:lvl3pPr>
+    <a:lvl4pPr marL="1371600" algn="l" defTabSz="914400" rtl="0" eaLnBrk="1" latinLnBrk="1" hangingPunct="1">
+      <a:defRPr sz="1200" kern="1200">
+        <a:solidFill>
+          <a:schemeClr val="tx1"/>
+        </a:solidFill>
+        <a:latin typeface="+mn-lt"/>
+        <a:ea typeface="+mn-ea"/>
+        <a:cs typeface="+mn-cs"/>
+      </a:defRPr>
+    </a:lvl4pPr>
+    <a:lvl5pPr marL="1828800" algn="l" defTabSz="914400" rtl="0" eaLnBrk="1" latinLnBrk="1" hangingPunct="1">
+      <a:defRPr sz="1200" kern="1200">
+        <a:solidFill>
+          <a:schemeClr val="tx1"/>
+        </a:solidFill>
+        <a:latin typeface="+mn-lt"/>
+        <a:ea typeface="+mn-ea"/>
+        <a:cs typeface="+mn-cs"/>
+      </a:defRPr>
+    </a:lvl5pPr>
+    <a:lvl6pPr marL="2286000" algn="l" defTabSz="914400" rtl="0" eaLnBrk="1" latinLnBrk="1" hangingPunct="1">
+      <a:defRPr sz="1200" kern="1200">
+        <a:solidFill>
+          <a:schemeClr val="tx1"/>
+        </a:solidFill>
+        <a:latin typeface="+mn-lt"/>
+        <a:ea typeface="+mn-ea"/>
+        <a:cs typeface="+mn-cs"/>
+      </a:defRPr>
+    </a:lvl6pPr>
+    <a:lvl7pPr marL="2743200" algn="l" defTabSz="914400" rtl="0" eaLnBrk="1" latinLnBrk="1" hangingPunct="1">
+      <a:defRPr sz="1200" kern="1200">
+        <a:solidFill>
+          <a:schemeClr val="tx1"/>
+        </a:solidFill>
+        <a:latin typeface="+mn-lt"/>
+        <a:ea typeface="+mn-ea"/>
+        <a:cs typeface="+mn-cs"/>
+      </a:defRPr>
+    </a:lvl7pPr>
+    <a:lvl8pPr marL="3200400" algn="l" defTabSz="914400" rtl="0" eaLnBrk="1" latinLnBrk="1" hangingPunct="1">
+      <a:defRPr sz="1200" kern="1200">
+        <a:solidFill>
+          <a:schemeClr val="tx1"/>
+        </a:solidFill>
+        <a:latin typeface="+mn-lt"/>
+        <a:ea typeface="+mn-ea"/>
+        <a:cs typeface="+mn-cs"/>
+      </a:defRPr>
+    </a:lvl8pPr>
+    <a:lvl9pPr marL="3657600" algn="l" defTabSz="914400" rtl="0" eaLnBrk="1" latinLnBrk="1" hangingPunct="1">
+      <a:defRPr sz="1200" kern="1200">
+        <a:solidFill>
+          <a:schemeClr val="tx1"/>
+        </a:solidFill>
+        <a:latin typeface="+mn-lt"/>
+        <a:ea typeface="+mn-ea"/>
+        <a:cs typeface="+mn-cs"/>
+      </a:defRPr>
+    </a:lvl9pPr>
+  </p:notesStyle>
+</p:notesMaster>
+</file>
+
 <file path=ppt/slideLayouts/slideLayout1.xml><?xml version="1.0" encoding="utf-8"?>
 <p:sldLayout xmlns:a="http://schemas.openxmlformats.org/drawingml/2006/main" xmlns:r="http://schemas.openxmlformats.org/officeDocument/2006/relationships" xmlns:p="http://schemas.openxmlformats.org/presentationml/2006/main" type="title" preserve="1">
   <p:cSld name="제목 슬라이드">
@@ -263,7 +616,7 @@
           <a:p>
             <a:fld id="{FF1F2B6B-01E6-4BE8-82D1-56E63F9D90AC}" type="datetimeFigureOut">
               <a:rPr lang="ko-KR" altLang="en-US" smtClean="0"/>
-              <a:t>2023-03-16</a:t>
+              <a:t>2023-03-21</a:t>
             </a:fld>
             <a:endParaRPr lang="ko-KR" altLang="en-US"/>
           </a:p>
@@ -461,7 +814,7 @@
           <a:p>
             <a:fld id="{FF1F2B6B-01E6-4BE8-82D1-56E63F9D90AC}" type="datetimeFigureOut">
               <a:rPr lang="ko-KR" altLang="en-US" smtClean="0"/>
-              <a:t>2023-03-16</a:t>
+              <a:t>2023-03-21</a:t>
             </a:fld>
             <a:endParaRPr lang="ko-KR" altLang="en-US"/>
           </a:p>
@@ -669,7 +1022,7 @@
           <a:p>
             <a:fld id="{FF1F2B6B-01E6-4BE8-82D1-56E63F9D90AC}" type="datetimeFigureOut">
               <a:rPr lang="ko-KR" altLang="en-US" smtClean="0"/>
-              <a:t>2023-03-16</a:t>
+              <a:t>2023-03-21</a:t>
             </a:fld>
             <a:endParaRPr lang="ko-KR" altLang="en-US"/>
           </a:p>
@@ -867,7 +1220,7 @@
           <a:p>
             <a:fld id="{FF1F2B6B-01E6-4BE8-82D1-56E63F9D90AC}" type="datetimeFigureOut">
               <a:rPr lang="ko-KR" altLang="en-US" smtClean="0"/>
-              <a:t>2023-03-16</a:t>
+              <a:t>2023-03-21</a:t>
             </a:fld>
             <a:endParaRPr lang="ko-KR" altLang="en-US"/>
           </a:p>
@@ -1142,7 +1495,7 @@
           <a:p>
             <a:fld id="{FF1F2B6B-01E6-4BE8-82D1-56E63F9D90AC}" type="datetimeFigureOut">
               <a:rPr lang="ko-KR" altLang="en-US" smtClean="0"/>
-              <a:t>2023-03-16</a:t>
+              <a:t>2023-03-21</a:t>
             </a:fld>
             <a:endParaRPr lang="ko-KR" altLang="en-US"/>
           </a:p>
@@ -1407,7 +1760,7 @@
           <a:p>
             <a:fld id="{FF1F2B6B-01E6-4BE8-82D1-56E63F9D90AC}" type="datetimeFigureOut">
               <a:rPr lang="ko-KR" altLang="en-US" smtClean="0"/>
-              <a:t>2023-03-16</a:t>
+              <a:t>2023-03-21</a:t>
             </a:fld>
             <a:endParaRPr lang="ko-KR" altLang="en-US"/>
           </a:p>
@@ -1819,7 +2172,7 @@
           <a:p>
             <a:fld id="{FF1F2B6B-01E6-4BE8-82D1-56E63F9D90AC}" type="datetimeFigureOut">
               <a:rPr lang="ko-KR" altLang="en-US" smtClean="0"/>
-              <a:t>2023-03-16</a:t>
+              <a:t>2023-03-21</a:t>
             </a:fld>
             <a:endParaRPr lang="ko-KR" altLang="en-US"/>
           </a:p>
@@ -1960,7 +2313,7 @@
           <a:p>
             <a:fld id="{FF1F2B6B-01E6-4BE8-82D1-56E63F9D90AC}" type="datetimeFigureOut">
               <a:rPr lang="ko-KR" altLang="en-US" smtClean="0"/>
-              <a:t>2023-03-16</a:t>
+              <a:t>2023-03-21</a:t>
             </a:fld>
             <a:endParaRPr lang="ko-KR" altLang="en-US"/>
           </a:p>
@@ -2073,7 +2426,7 @@
           <a:p>
             <a:fld id="{FF1F2B6B-01E6-4BE8-82D1-56E63F9D90AC}" type="datetimeFigureOut">
               <a:rPr lang="ko-KR" altLang="en-US" smtClean="0"/>
-              <a:t>2023-03-16</a:t>
+              <a:t>2023-03-21</a:t>
             </a:fld>
             <a:endParaRPr lang="ko-KR" altLang="en-US"/>
           </a:p>
@@ -2384,7 +2737,7 @@
           <a:p>
             <a:fld id="{FF1F2B6B-01E6-4BE8-82D1-56E63F9D90AC}" type="datetimeFigureOut">
               <a:rPr lang="ko-KR" altLang="en-US" smtClean="0"/>
-              <a:t>2023-03-16</a:t>
+              <a:t>2023-03-21</a:t>
             </a:fld>
             <a:endParaRPr lang="ko-KR" altLang="en-US"/>
           </a:p>
@@ -2672,7 +3025,7 @@
           <a:p>
             <a:fld id="{FF1F2B6B-01E6-4BE8-82D1-56E63F9D90AC}" type="datetimeFigureOut">
               <a:rPr lang="ko-KR" altLang="en-US" smtClean="0"/>
-              <a:t>2023-03-16</a:t>
+              <a:t>2023-03-21</a:t>
             </a:fld>
             <a:endParaRPr lang="ko-KR" altLang="en-US"/>
           </a:p>
@@ -2913,7 +3266,7 @@
           <a:p>
             <a:fld id="{FF1F2B6B-01E6-4BE8-82D1-56E63F9D90AC}" type="datetimeFigureOut">
               <a:rPr lang="ko-KR" altLang="en-US" smtClean="0"/>
-              <a:t>2023-03-16</a:t>
+              <a:t>2023-03-21</a:t>
             </a:fld>
             <a:endParaRPr lang="ko-KR" altLang="en-US"/>
           </a:p>
@@ -10689,6 +11042,1839 @@
 </p:sld>
 </file>
 
+<file path=ppt/slides/slide6.xml><?xml version="1.0" encoding="utf-8"?>
+<p:sld xmlns:a="http://schemas.openxmlformats.org/drawingml/2006/main" xmlns:r="http://schemas.openxmlformats.org/officeDocument/2006/relationships" xmlns:p="http://schemas.openxmlformats.org/presentationml/2006/main">
+  <p:cSld>
+    <p:spTree>
+      <p:nvGrpSpPr>
+        <p:cNvPr id="1" name=""/>
+        <p:cNvGrpSpPr/>
+        <p:nvPr/>
+      </p:nvGrpSpPr>
+      <p:grpSpPr>
+        <a:xfrm>
+          <a:off x="0" y="0"/>
+          <a:ext cx="0" cy="0"/>
+          <a:chOff x="0" y="0"/>
+          <a:chExt cx="0" cy="0"/>
+        </a:xfrm>
+      </p:grpSpPr>
+      <p:sp>
+        <p:nvSpPr>
+          <p:cNvPr id="4" name="직사각형 3">
+            <a:extLst>
+              <a:ext uri="{FF2B5EF4-FFF2-40B4-BE49-F238E27FC236}">
+                <a16:creationId xmlns:a16="http://schemas.microsoft.com/office/drawing/2014/main" id="{E1217168-1D98-9FC0-3EA2-15384EDE2DBE}"/>
+              </a:ext>
+            </a:extLst>
+          </p:cNvPr>
+          <p:cNvSpPr/>
+          <p:nvPr/>
+        </p:nvSpPr>
+        <p:spPr>
+          <a:xfrm>
+            <a:off x="905933" y="1806401"/>
+            <a:ext cx="4487334" cy="4519537"/>
+          </a:xfrm>
+          <a:prstGeom prst="rect">
+            <a:avLst/>
+          </a:prstGeom>
+          <a:noFill/>
+          <a:ln>
+            <a:solidFill>
+              <a:schemeClr val="tx1"/>
+            </a:solidFill>
+          </a:ln>
+        </p:spPr>
+        <p:style>
+          <a:lnRef idx="2">
+            <a:schemeClr val="accent1">
+              <a:shade val="50000"/>
+            </a:schemeClr>
+          </a:lnRef>
+          <a:fillRef idx="1">
+            <a:schemeClr val="accent1"/>
+          </a:fillRef>
+          <a:effectRef idx="0">
+            <a:schemeClr val="accent1"/>
+          </a:effectRef>
+          <a:fontRef idx="minor">
+            <a:schemeClr val="lt1"/>
+          </a:fontRef>
+        </p:style>
+        <p:txBody>
+          <a:bodyPr rtlCol="0" anchor="ctr"/>
+          <a:lstStyle/>
+          <a:p>
+            <a:pPr algn="ctr"/>
+            <a:endParaRPr lang="ko-KR" altLang="en-US"/>
+          </a:p>
+        </p:txBody>
+      </p:sp>
+      <p:sp>
+        <p:nvSpPr>
+          <p:cNvPr id="22" name="직사각형 21">
+            <a:extLst>
+              <a:ext uri="{FF2B5EF4-FFF2-40B4-BE49-F238E27FC236}">
+                <a16:creationId xmlns:a16="http://schemas.microsoft.com/office/drawing/2014/main" id="{8DC08657-6F53-58BA-1548-01350A20237B}"/>
+              </a:ext>
+            </a:extLst>
+          </p:cNvPr>
+          <p:cNvSpPr/>
+          <p:nvPr/>
+        </p:nvSpPr>
+        <p:spPr>
+          <a:xfrm>
+            <a:off x="5393267" y="1071140"/>
+            <a:ext cx="5837972" cy="5254798"/>
+          </a:xfrm>
+          <a:prstGeom prst="rect">
+            <a:avLst/>
+          </a:prstGeom>
+          <a:noFill/>
+          <a:ln>
+            <a:solidFill>
+              <a:schemeClr val="tx1"/>
+            </a:solidFill>
+          </a:ln>
+        </p:spPr>
+        <p:style>
+          <a:lnRef idx="2">
+            <a:schemeClr val="accent1">
+              <a:shade val="50000"/>
+            </a:schemeClr>
+          </a:lnRef>
+          <a:fillRef idx="1">
+            <a:schemeClr val="accent1"/>
+          </a:fillRef>
+          <a:effectRef idx="0">
+            <a:schemeClr val="accent1"/>
+          </a:effectRef>
+          <a:fontRef idx="minor">
+            <a:schemeClr val="lt1"/>
+          </a:fontRef>
+        </p:style>
+        <p:txBody>
+          <a:bodyPr rtlCol="0" anchor="ctr"/>
+          <a:lstStyle/>
+          <a:p>
+            <a:pPr algn="ctr"/>
+            <a:endParaRPr lang="ko-KR" altLang="en-US"/>
+          </a:p>
+        </p:txBody>
+      </p:sp>
+      <p:sp>
+        <p:nvSpPr>
+          <p:cNvPr id="16" name="직사각형 15">
+            <a:extLst>
+              <a:ext uri="{FF2B5EF4-FFF2-40B4-BE49-F238E27FC236}">
+                <a16:creationId xmlns:a16="http://schemas.microsoft.com/office/drawing/2014/main" id="{E90D29FF-BB8A-02B7-9588-66FBD3E4D5FC}"/>
+              </a:ext>
+            </a:extLst>
+          </p:cNvPr>
+          <p:cNvSpPr/>
+          <p:nvPr/>
+        </p:nvSpPr>
+        <p:spPr>
+          <a:xfrm>
+            <a:off x="905932" y="1071140"/>
+            <a:ext cx="4487334" cy="730921"/>
+          </a:xfrm>
+          <a:prstGeom prst="rect">
+            <a:avLst/>
+          </a:prstGeom>
+          <a:noFill/>
+          <a:ln>
+            <a:solidFill>
+              <a:schemeClr val="tx1"/>
+            </a:solidFill>
+          </a:ln>
+        </p:spPr>
+        <p:style>
+          <a:lnRef idx="2">
+            <a:schemeClr val="accent1">
+              <a:shade val="50000"/>
+            </a:schemeClr>
+          </a:lnRef>
+          <a:fillRef idx="1">
+            <a:schemeClr val="accent1"/>
+          </a:fillRef>
+          <a:effectRef idx="0">
+            <a:schemeClr val="accent1"/>
+          </a:effectRef>
+          <a:fontRef idx="minor">
+            <a:schemeClr val="lt1"/>
+          </a:fontRef>
+        </p:style>
+        <p:txBody>
+          <a:bodyPr rtlCol="0" anchor="ctr"/>
+          <a:lstStyle/>
+          <a:p>
+            <a:pPr algn="ctr"/>
+            <a:endParaRPr lang="ko-KR" altLang="en-US"/>
+          </a:p>
+        </p:txBody>
+      </p:sp>
+      <p:sp>
+        <p:nvSpPr>
+          <p:cNvPr id="17" name="직사각형 16">
+            <a:extLst>
+              <a:ext uri="{FF2B5EF4-FFF2-40B4-BE49-F238E27FC236}">
+                <a16:creationId xmlns:a16="http://schemas.microsoft.com/office/drawing/2014/main" id="{14149115-A96A-27B4-49F0-6E31CC5569BE}"/>
+              </a:ext>
+            </a:extLst>
+          </p:cNvPr>
+          <p:cNvSpPr/>
+          <p:nvPr/>
+        </p:nvSpPr>
+        <p:spPr>
+          <a:xfrm>
+            <a:off x="905931" y="508000"/>
+            <a:ext cx="10325308" cy="567480"/>
+          </a:xfrm>
+          <a:prstGeom prst="rect">
+            <a:avLst/>
+          </a:prstGeom>
+          <a:noFill/>
+          <a:ln>
+            <a:solidFill>
+              <a:schemeClr val="tx1"/>
+            </a:solidFill>
+          </a:ln>
+        </p:spPr>
+        <p:style>
+          <a:lnRef idx="2">
+            <a:schemeClr val="accent1">
+              <a:shade val="50000"/>
+            </a:schemeClr>
+          </a:lnRef>
+          <a:fillRef idx="1">
+            <a:schemeClr val="accent1"/>
+          </a:fillRef>
+          <a:effectRef idx="0">
+            <a:schemeClr val="accent1"/>
+          </a:effectRef>
+          <a:fontRef idx="minor">
+            <a:schemeClr val="lt1"/>
+          </a:fontRef>
+        </p:style>
+        <p:txBody>
+          <a:bodyPr rtlCol="0" anchor="ctr"/>
+          <a:lstStyle/>
+          <a:p>
+            <a:pPr algn="ctr"/>
+            <a:endParaRPr lang="ko-KR" altLang="en-US"/>
+          </a:p>
+        </p:txBody>
+      </p:sp>
+      <p:sp>
+        <p:nvSpPr>
+          <p:cNvPr id="23" name="TextBox 22">
+            <a:extLst>
+              <a:ext uri="{FF2B5EF4-FFF2-40B4-BE49-F238E27FC236}">
+                <a16:creationId xmlns:a16="http://schemas.microsoft.com/office/drawing/2014/main" id="{AFBF9255-AADF-E150-158E-59107C76B9FC}"/>
+              </a:ext>
+            </a:extLst>
+          </p:cNvPr>
+          <p:cNvSpPr txBox="1"/>
+          <p:nvPr/>
+        </p:nvSpPr>
+        <p:spPr>
+          <a:xfrm>
+            <a:off x="1024466" y="604904"/>
+            <a:ext cx="1746119" cy="369332"/>
+          </a:xfrm>
+          <a:prstGeom prst="rect">
+            <a:avLst/>
+          </a:prstGeom>
+          <a:noFill/>
+        </p:spPr>
+        <p:txBody>
+          <a:bodyPr wrap="none" rtlCol="0">
+            <a:spAutoFit/>
+          </a:bodyPr>
+          <a:lstStyle/>
+          <a:p>
+            <a:r>
+              <a:rPr lang="en-US" altLang="ko-KR" dirty="0">
+                <a:latin typeface="Tahoma" panose="020B0604030504040204" pitchFamily="34" charset="0"/>
+                <a:ea typeface="Tahoma" panose="020B0604030504040204" pitchFamily="34" charset="0"/>
+                <a:cs typeface="Tahoma" panose="020B0604030504040204" pitchFamily="34" charset="0"/>
+              </a:rPr>
+              <a:t>Developer Plus</a:t>
+            </a:r>
+            <a:endParaRPr lang="ko-KR" altLang="en-US" dirty="0">
+              <a:latin typeface="Tahoma" panose="020B0604030504040204" pitchFamily="34" charset="0"/>
+              <a:cs typeface="Tahoma" panose="020B0604030504040204" pitchFamily="34" charset="0"/>
+            </a:endParaRPr>
+          </a:p>
+        </p:txBody>
+      </p:sp>
+      <p:pic>
+        <p:nvPicPr>
+          <p:cNvPr id="26" name="그림 25">
+            <a:extLst>
+              <a:ext uri="{FF2B5EF4-FFF2-40B4-BE49-F238E27FC236}">
+                <a16:creationId xmlns:a16="http://schemas.microsoft.com/office/drawing/2014/main" id="{EF4AB4C2-DA9A-FC70-B6BF-C7D94CBDAE83}"/>
+              </a:ext>
+            </a:extLst>
+          </p:cNvPr>
+          <p:cNvPicPr>
+            <a:picLocks noChangeAspect="1"/>
+          </p:cNvPicPr>
+          <p:nvPr/>
+        </p:nvPicPr>
+        <p:blipFill>
+          <a:blip r:embed="rId2"/>
+          <a:stretch>
+            <a:fillRect/>
+          </a:stretch>
+        </p:blipFill>
+        <p:spPr>
+          <a:xfrm>
+            <a:off x="6976532" y="532062"/>
+            <a:ext cx="4191001" cy="528707"/>
+          </a:xfrm>
+          <a:prstGeom prst="rect">
+            <a:avLst/>
+          </a:prstGeom>
+        </p:spPr>
+      </p:pic>
+      <p:sp>
+        <p:nvSpPr>
+          <p:cNvPr id="27" name="직사각형 26">
+            <a:extLst>
+              <a:ext uri="{FF2B5EF4-FFF2-40B4-BE49-F238E27FC236}">
+                <a16:creationId xmlns:a16="http://schemas.microsoft.com/office/drawing/2014/main" id="{8738E0D3-E243-A9CD-65B4-44E4E230ECAF}"/>
+              </a:ext>
+            </a:extLst>
+          </p:cNvPr>
+          <p:cNvSpPr/>
+          <p:nvPr/>
+        </p:nvSpPr>
+        <p:spPr>
+          <a:xfrm>
+            <a:off x="905927" y="1075480"/>
+            <a:ext cx="4487337" cy="730921"/>
+          </a:xfrm>
+          <a:prstGeom prst="rect">
+            <a:avLst/>
+          </a:prstGeom>
+          <a:solidFill>
+            <a:srgbClr val="FF9999"/>
+          </a:solidFill>
+        </p:spPr>
+        <p:style>
+          <a:lnRef idx="2">
+            <a:schemeClr val="accent1">
+              <a:shade val="50000"/>
+            </a:schemeClr>
+          </a:lnRef>
+          <a:fillRef idx="1">
+            <a:schemeClr val="accent1"/>
+          </a:fillRef>
+          <a:effectRef idx="0">
+            <a:schemeClr val="accent1"/>
+          </a:effectRef>
+          <a:fontRef idx="minor">
+            <a:schemeClr val="lt1"/>
+          </a:fontRef>
+        </p:style>
+        <p:txBody>
+          <a:bodyPr rtlCol="0" anchor="ctr"/>
+          <a:lstStyle/>
+          <a:p>
+            <a:pPr algn="ctr"/>
+            <a:endParaRPr lang="ko-KR" altLang="en-US" dirty="0">
+              <a:solidFill>
+                <a:schemeClr val="tx2">
+                  <a:lumMod val="20000"/>
+                  <a:lumOff val="80000"/>
+                </a:schemeClr>
+              </a:solidFill>
+            </a:endParaRPr>
+          </a:p>
+        </p:txBody>
+      </p:sp>
+      <p:sp>
+        <p:nvSpPr>
+          <p:cNvPr id="32" name="TextBox 31">
+            <a:extLst>
+              <a:ext uri="{FF2B5EF4-FFF2-40B4-BE49-F238E27FC236}">
+                <a16:creationId xmlns:a16="http://schemas.microsoft.com/office/drawing/2014/main" id="{FA8795DE-E1F8-02BB-D1AF-6EE7E5E6481B}"/>
+              </a:ext>
+            </a:extLst>
+          </p:cNvPr>
+          <p:cNvSpPr txBox="1"/>
+          <p:nvPr/>
+        </p:nvSpPr>
+        <p:spPr>
+          <a:xfrm>
+            <a:off x="905928" y="1116686"/>
+            <a:ext cx="607859" cy="261610"/>
+          </a:xfrm>
+          <a:prstGeom prst="rect">
+            <a:avLst/>
+          </a:prstGeom>
+          <a:noFill/>
+        </p:spPr>
+        <p:txBody>
+          <a:bodyPr wrap="none" rtlCol="0">
+            <a:spAutoFit/>
+          </a:bodyPr>
+          <a:lstStyle/>
+          <a:p>
+            <a:r>
+              <a:rPr lang="ko-KR" altLang="en-US" sz="1100" b="0" i="0" dirty="0">
+                <a:solidFill>
+                  <a:srgbClr val="373A3C"/>
+                </a:solidFill>
+                <a:effectLst/>
+                <a:latin typeface="Open Sans" panose="020B0606030504020204" pitchFamily="34" charset="0"/>
+              </a:rPr>
+              <a:t>☆</a:t>
+            </a:r>
+            <a:r>
+              <a:rPr lang="ko-KR" altLang="en-US" sz="1100" dirty="0"/>
+              <a:t>중요</a:t>
+            </a:r>
+          </a:p>
+        </p:txBody>
+      </p:sp>
+      <p:sp>
+        <p:nvSpPr>
+          <p:cNvPr id="33" name="타원 32">
+            <a:extLst>
+              <a:ext uri="{FF2B5EF4-FFF2-40B4-BE49-F238E27FC236}">
+                <a16:creationId xmlns:a16="http://schemas.microsoft.com/office/drawing/2014/main" id="{8E18EF5E-3F11-0507-0593-1D94B10C9389}"/>
+              </a:ext>
+            </a:extLst>
+          </p:cNvPr>
+          <p:cNvSpPr/>
+          <p:nvPr/>
+        </p:nvSpPr>
+        <p:spPr>
+          <a:xfrm>
+            <a:off x="5228166" y="1137425"/>
+            <a:ext cx="110066" cy="110066"/>
+          </a:xfrm>
+          <a:prstGeom prst="ellipse">
+            <a:avLst/>
+          </a:prstGeom>
+          <a:solidFill>
+            <a:schemeClr val="bg1"/>
+          </a:solidFill>
+          <a:ln>
+            <a:solidFill>
+              <a:schemeClr val="tx1"/>
+            </a:solidFill>
+          </a:ln>
+        </p:spPr>
+        <p:style>
+          <a:lnRef idx="2">
+            <a:schemeClr val="accent1">
+              <a:shade val="50000"/>
+            </a:schemeClr>
+          </a:lnRef>
+          <a:fillRef idx="1">
+            <a:schemeClr val="accent1"/>
+          </a:fillRef>
+          <a:effectRef idx="0">
+            <a:schemeClr val="accent1"/>
+          </a:effectRef>
+          <a:fontRef idx="minor">
+            <a:schemeClr val="lt1"/>
+          </a:fontRef>
+        </p:style>
+        <p:txBody>
+          <a:bodyPr rtlCol="0" anchor="ctr"/>
+          <a:lstStyle/>
+          <a:p>
+            <a:pPr algn="ctr"/>
+            <a:endParaRPr lang="ko-KR" altLang="en-US"/>
+          </a:p>
+        </p:txBody>
+      </p:sp>
+      <p:sp>
+        <p:nvSpPr>
+          <p:cNvPr id="34" name="타원 33">
+            <a:extLst>
+              <a:ext uri="{FF2B5EF4-FFF2-40B4-BE49-F238E27FC236}">
+                <a16:creationId xmlns:a16="http://schemas.microsoft.com/office/drawing/2014/main" id="{C9CD5D7F-AE3C-4548-CEDB-41B37908657E}"/>
+              </a:ext>
+            </a:extLst>
+          </p:cNvPr>
+          <p:cNvSpPr/>
+          <p:nvPr/>
+        </p:nvSpPr>
+        <p:spPr>
+          <a:xfrm>
+            <a:off x="5063066" y="1131959"/>
+            <a:ext cx="110066" cy="110066"/>
+          </a:xfrm>
+          <a:prstGeom prst="ellipse">
+            <a:avLst/>
+          </a:prstGeom>
+          <a:solidFill>
+            <a:schemeClr val="bg1"/>
+          </a:solidFill>
+          <a:ln>
+            <a:solidFill>
+              <a:schemeClr val="tx1"/>
+            </a:solidFill>
+          </a:ln>
+        </p:spPr>
+        <p:style>
+          <a:lnRef idx="2">
+            <a:schemeClr val="accent1">
+              <a:shade val="50000"/>
+            </a:schemeClr>
+          </a:lnRef>
+          <a:fillRef idx="1">
+            <a:schemeClr val="accent1"/>
+          </a:fillRef>
+          <a:effectRef idx="0">
+            <a:schemeClr val="accent1"/>
+          </a:effectRef>
+          <a:fontRef idx="minor">
+            <a:schemeClr val="lt1"/>
+          </a:fontRef>
+        </p:style>
+        <p:txBody>
+          <a:bodyPr rtlCol="0" anchor="ctr"/>
+          <a:lstStyle/>
+          <a:p>
+            <a:pPr algn="ctr"/>
+            <a:endParaRPr lang="ko-KR" altLang="en-US"/>
+          </a:p>
+        </p:txBody>
+      </p:sp>
+      <p:sp>
+        <p:nvSpPr>
+          <p:cNvPr id="35" name="타원 34">
+            <a:extLst>
+              <a:ext uri="{FF2B5EF4-FFF2-40B4-BE49-F238E27FC236}">
+                <a16:creationId xmlns:a16="http://schemas.microsoft.com/office/drawing/2014/main" id="{8A4213EC-D2AB-F146-3472-1C3396F4AA6F}"/>
+              </a:ext>
+            </a:extLst>
+          </p:cNvPr>
+          <p:cNvSpPr/>
+          <p:nvPr/>
+        </p:nvSpPr>
+        <p:spPr>
+          <a:xfrm>
+            <a:off x="4897966" y="1137425"/>
+            <a:ext cx="110066" cy="110066"/>
+          </a:xfrm>
+          <a:prstGeom prst="ellipse">
+            <a:avLst/>
+          </a:prstGeom>
+          <a:solidFill>
+            <a:schemeClr val="bg1"/>
+          </a:solidFill>
+          <a:ln>
+            <a:solidFill>
+              <a:schemeClr val="tx1"/>
+            </a:solidFill>
+          </a:ln>
+        </p:spPr>
+        <p:style>
+          <a:lnRef idx="2">
+            <a:schemeClr val="accent1">
+              <a:shade val="50000"/>
+            </a:schemeClr>
+          </a:lnRef>
+          <a:fillRef idx="1">
+            <a:schemeClr val="accent1"/>
+          </a:fillRef>
+          <a:effectRef idx="0">
+            <a:schemeClr val="accent1"/>
+          </a:effectRef>
+          <a:fontRef idx="minor">
+            <a:schemeClr val="lt1"/>
+          </a:fontRef>
+        </p:style>
+        <p:txBody>
+          <a:bodyPr rtlCol="0" anchor="ctr"/>
+          <a:lstStyle/>
+          <a:p>
+            <a:pPr algn="ctr"/>
+            <a:endParaRPr lang="ko-KR" altLang="en-US"/>
+          </a:p>
+        </p:txBody>
+      </p:sp>
+      <p:sp>
+        <p:nvSpPr>
+          <p:cNvPr id="37" name="타원 36">
+            <a:extLst>
+              <a:ext uri="{FF2B5EF4-FFF2-40B4-BE49-F238E27FC236}">
+                <a16:creationId xmlns:a16="http://schemas.microsoft.com/office/drawing/2014/main" id="{38057689-ADA1-2A25-B923-AD3E2A3B9E9A}"/>
+              </a:ext>
+            </a:extLst>
+          </p:cNvPr>
+          <p:cNvSpPr/>
+          <p:nvPr/>
+        </p:nvSpPr>
+        <p:spPr>
+          <a:xfrm>
+            <a:off x="4732866" y="1137425"/>
+            <a:ext cx="110066" cy="110066"/>
+          </a:xfrm>
+          <a:prstGeom prst="ellipse">
+            <a:avLst/>
+          </a:prstGeom>
+          <a:solidFill>
+            <a:schemeClr val="bg1"/>
+          </a:solidFill>
+          <a:ln>
+            <a:solidFill>
+              <a:schemeClr val="tx1"/>
+            </a:solidFill>
+          </a:ln>
+        </p:spPr>
+        <p:style>
+          <a:lnRef idx="2">
+            <a:schemeClr val="accent1">
+              <a:shade val="50000"/>
+            </a:schemeClr>
+          </a:lnRef>
+          <a:fillRef idx="1">
+            <a:schemeClr val="accent1"/>
+          </a:fillRef>
+          <a:effectRef idx="0">
+            <a:schemeClr val="accent1"/>
+          </a:effectRef>
+          <a:fontRef idx="minor">
+            <a:schemeClr val="lt1"/>
+          </a:fontRef>
+        </p:style>
+        <p:txBody>
+          <a:bodyPr rtlCol="0" anchor="ctr"/>
+          <a:lstStyle/>
+          <a:p>
+            <a:pPr algn="ctr"/>
+            <a:endParaRPr lang="ko-KR" altLang="en-US"/>
+          </a:p>
+        </p:txBody>
+      </p:sp>
+      <p:sp>
+        <p:nvSpPr>
+          <p:cNvPr id="38" name="타원 37">
+            <a:extLst>
+              <a:ext uri="{FF2B5EF4-FFF2-40B4-BE49-F238E27FC236}">
+                <a16:creationId xmlns:a16="http://schemas.microsoft.com/office/drawing/2014/main" id="{F6E06B73-6B44-892C-6BF9-142327EF21F3}"/>
+              </a:ext>
+            </a:extLst>
+          </p:cNvPr>
+          <p:cNvSpPr/>
+          <p:nvPr/>
+        </p:nvSpPr>
+        <p:spPr>
+          <a:xfrm>
+            <a:off x="4559095" y="1137425"/>
+            <a:ext cx="110066" cy="110066"/>
+          </a:xfrm>
+          <a:prstGeom prst="ellipse">
+            <a:avLst/>
+          </a:prstGeom>
+          <a:solidFill>
+            <a:srgbClr val="FF0000"/>
+          </a:solidFill>
+          <a:ln>
+            <a:solidFill>
+              <a:schemeClr val="tx1"/>
+            </a:solidFill>
+          </a:ln>
+        </p:spPr>
+        <p:style>
+          <a:lnRef idx="2">
+            <a:schemeClr val="accent1">
+              <a:shade val="50000"/>
+            </a:schemeClr>
+          </a:lnRef>
+          <a:fillRef idx="1">
+            <a:schemeClr val="accent1"/>
+          </a:fillRef>
+          <a:effectRef idx="0">
+            <a:schemeClr val="accent1"/>
+          </a:effectRef>
+          <a:fontRef idx="minor">
+            <a:schemeClr val="lt1"/>
+          </a:fontRef>
+        </p:style>
+        <p:txBody>
+          <a:bodyPr rtlCol="0" anchor="ctr"/>
+          <a:lstStyle/>
+          <a:p>
+            <a:pPr algn="ctr"/>
+            <a:endParaRPr lang="ko-KR" altLang="en-US"/>
+          </a:p>
+        </p:txBody>
+      </p:sp>
+      <p:sp>
+        <p:nvSpPr>
+          <p:cNvPr id="39" name="TextBox 38">
+            <a:extLst>
+              <a:ext uri="{FF2B5EF4-FFF2-40B4-BE49-F238E27FC236}">
+                <a16:creationId xmlns:a16="http://schemas.microsoft.com/office/drawing/2014/main" id="{99A9CC76-AB81-8A7E-A426-E408E85D1D9D}"/>
+              </a:ext>
+            </a:extLst>
+          </p:cNvPr>
+          <p:cNvSpPr txBox="1"/>
+          <p:nvPr/>
+        </p:nvSpPr>
+        <p:spPr>
+          <a:xfrm>
+            <a:off x="1919936" y="1302096"/>
+            <a:ext cx="2459328" cy="369332"/>
+          </a:xfrm>
+          <a:prstGeom prst="rect">
+            <a:avLst/>
+          </a:prstGeom>
+          <a:noFill/>
+        </p:spPr>
+        <p:txBody>
+          <a:bodyPr wrap="none" rtlCol="0">
+            <a:spAutoFit/>
+          </a:bodyPr>
+          <a:lstStyle/>
+          <a:p>
+            <a:r>
+              <a:rPr lang="en-US" altLang="ko-KR" dirty="0">
+                <a:solidFill>
+                  <a:schemeClr val="tx1">
+                    <a:lumMod val="50000"/>
+                    <a:lumOff val="50000"/>
+                  </a:schemeClr>
+                </a:solidFill>
+              </a:rPr>
+              <a:t>// </a:t>
+            </a:r>
+            <a:r>
+              <a:rPr lang="ko-KR" altLang="en-US" dirty="0">
+                <a:solidFill>
+                  <a:schemeClr val="tx1">
+                    <a:lumMod val="50000"/>
+                    <a:lumOff val="50000"/>
+                  </a:schemeClr>
+                </a:solidFill>
+              </a:rPr>
+              <a:t>중요 공지사항 내용</a:t>
+            </a:r>
+          </a:p>
+        </p:txBody>
+      </p:sp>
+      <p:sp>
+        <p:nvSpPr>
+          <p:cNvPr id="41" name="TextBox 40">
+            <a:extLst>
+              <a:ext uri="{FF2B5EF4-FFF2-40B4-BE49-F238E27FC236}">
+                <a16:creationId xmlns:a16="http://schemas.microsoft.com/office/drawing/2014/main" id="{699F63FE-5304-37F8-47BE-9CF713FF55C8}"/>
+              </a:ext>
+            </a:extLst>
+          </p:cNvPr>
+          <p:cNvSpPr txBox="1"/>
+          <p:nvPr/>
+        </p:nvSpPr>
+        <p:spPr>
+          <a:xfrm>
+            <a:off x="7710966" y="1203099"/>
+            <a:ext cx="1202573" cy="307777"/>
+          </a:xfrm>
+          <a:prstGeom prst="rect">
+            <a:avLst/>
+          </a:prstGeom>
+          <a:noFill/>
+        </p:spPr>
+        <p:txBody>
+          <a:bodyPr wrap="none" rtlCol="0">
+            <a:spAutoFit/>
+          </a:bodyPr>
+          <a:lstStyle/>
+          <a:p>
+            <a:r>
+              <a:rPr lang="en-US" altLang="ko-KR" sz="1400" dirty="0"/>
+              <a:t>2023</a:t>
+            </a:r>
+            <a:r>
+              <a:rPr lang="ko-KR" altLang="en-US" sz="1400" dirty="0"/>
+              <a:t>년 </a:t>
+            </a:r>
+            <a:r>
+              <a:rPr lang="en-US" altLang="ko-KR" sz="1400" dirty="0"/>
+              <a:t>03</a:t>
+            </a:r>
+            <a:r>
+              <a:rPr lang="ko-KR" altLang="en-US" sz="1400" dirty="0"/>
+              <a:t>월</a:t>
+            </a:r>
+          </a:p>
+        </p:txBody>
+      </p:sp>
+      <p:sp>
+        <p:nvSpPr>
+          <p:cNvPr id="43" name="TextBox 42">
+            <a:extLst>
+              <a:ext uri="{FF2B5EF4-FFF2-40B4-BE49-F238E27FC236}">
+                <a16:creationId xmlns:a16="http://schemas.microsoft.com/office/drawing/2014/main" id="{89DDF7B8-AC43-FDD5-9051-8BD5903CF965}"/>
+              </a:ext>
+            </a:extLst>
+          </p:cNvPr>
+          <p:cNvSpPr txBox="1"/>
+          <p:nvPr/>
+        </p:nvSpPr>
+        <p:spPr>
+          <a:xfrm>
+            <a:off x="6546590" y="1203099"/>
+            <a:ext cx="1202573" cy="307777"/>
+          </a:xfrm>
+          <a:prstGeom prst="rect">
+            <a:avLst/>
+          </a:prstGeom>
+          <a:noFill/>
+        </p:spPr>
+        <p:txBody>
+          <a:bodyPr wrap="none" rtlCol="0">
+            <a:spAutoFit/>
+          </a:bodyPr>
+          <a:lstStyle/>
+          <a:p>
+            <a:r>
+              <a:rPr lang="en-US" altLang="ko-KR" sz="1400" dirty="0">
+                <a:solidFill>
+                  <a:schemeClr val="bg2">
+                    <a:lumMod val="75000"/>
+                  </a:schemeClr>
+                </a:solidFill>
+              </a:rPr>
+              <a:t>2023</a:t>
+            </a:r>
+            <a:r>
+              <a:rPr lang="ko-KR" altLang="en-US" sz="1400" dirty="0">
+                <a:solidFill>
+                  <a:schemeClr val="bg2">
+                    <a:lumMod val="75000"/>
+                  </a:schemeClr>
+                </a:solidFill>
+              </a:rPr>
+              <a:t>년 </a:t>
+            </a:r>
+            <a:r>
+              <a:rPr lang="en-US" altLang="ko-KR" sz="1400" dirty="0">
+                <a:solidFill>
+                  <a:schemeClr val="bg2">
+                    <a:lumMod val="75000"/>
+                  </a:schemeClr>
+                </a:solidFill>
+              </a:rPr>
+              <a:t>02</a:t>
+            </a:r>
+            <a:r>
+              <a:rPr lang="ko-KR" altLang="en-US" sz="1400" dirty="0">
+                <a:solidFill>
+                  <a:schemeClr val="bg2">
+                    <a:lumMod val="75000"/>
+                  </a:schemeClr>
+                </a:solidFill>
+              </a:rPr>
+              <a:t>월</a:t>
+            </a:r>
+          </a:p>
+        </p:txBody>
+      </p:sp>
+      <p:sp>
+        <p:nvSpPr>
+          <p:cNvPr id="44" name="TextBox 43">
+            <a:extLst>
+              <a:ext uri="{FF2B5EF4-FFF2-40B4-BE49-F238E27FC236}">
+                <a16:creationId xmlns:a16="http://schemas.microsoft.com/office/drawing/2014/main" id="{F44C1D25-1F95-B4DC-A765-0DA7DC7361B1}"/>
+              </a:ext>
+            </a:extLst>
+          </p:cNvPr>
+          <p:cNvSpPr txBox="1"/>
+          <p:nvPr/>
+        </p:nvSpPr>
+        <p:spPr>
+          <a:xfrm>
+            <a:off x="8869815" y="1203099"/>
+            <a:ext cx="1202573" cy="307777"/>
+          </a:xfrm>
+          <a:prstGeom prst="rect">
+            <a:avLst/>
+          </a:prstGeom>
+          <a:noFill/>
+        </p:spPr>
+        <p:txBody>
+          <a:bodyPr wrap="none" rtlCol="0">
+            <a:spAutoFit/>
+          </a:bodyPr>
+          <a:lstStyle/>
+          <a:p>
+            <a:r>
+              <a:rPr lang="en-US" altLang="ko-KR" sz="1400" dirty="0">
+                <a:solidFill>
+                  <a:schemeClr val="bg2">
+                    <a:lumMod val="75000"/>
+                  </a:schemeClr>
+                </a:solidFill>
+              </a:rPr>
+              <a:t>2023</a:t>
+            </a:r>
+            <a:r>
+              <a:rPr lang="ko-KR" altLang="en-US" sz="1400" dirty="0">
+                <a:solidFill>
+                  <a:schemeClr val="bg2">
+                    <a:lumMod val="75000"/>
+                  </a:schemeClr>
+                </a:solidFill>
+              </a:rPr>
+              <a:t>년 </a:t>
+            </a:r>
+            <a:r>
+              <a:rPr lang="en-US" altLang="ko-KR" sz="1400" dirty="0">
+                <a:solidFill>
+                  <a:schemeClr val="bg2">
+                    <a:lumMod val="75000"/>
+                  </a:schemeClr>
+                </a:solidFill>
+              </a:rPr>
+              <a:t>04</a:t>
+            </a:r>
+            <a:r>
+              <a:rPr lang="ko-KR" altLang="en-US" sz="1400" dirty="0">
+                <a:solidFill>
+                  <a:schemeClr val="bg2">
+                    <a:lumMod val="75000"/>
+                  </a:schemeClr>
+                </a:solidFill>
+              </a:rPr>
+              <a:t>월</a:t>
+            </a:r>
+          </a:p>
+        </p:txBody>
+      </p:sp>
+      <p:sp>
+        <p:nvSpPr>
+          <p:cNvPr id="51" name="TextBox 50">
+            <a:extLst>
+              <a:ext uri="{FF2B5EF4-FFF2-40B4-BE49-F238E27FC236}">
+                <a16:creationId xmlns:a16="http://schemas.microsoft.com/office/drawing/2014/main" id="{490F85B2-A37A-6A0F-6AE3-E8B94BFE7869}"/>
+              </a:ext>
+            </a:extLst>
+          </p:cNvPr>
+          <p:cNvSpPr txBox="1"/>
+          <p:nvPr/>
+        </p:nvSpPr>
+        <p:spPr>
+          <a:xfrm>
+            <a:off x="5918366" y="1710015"/>
+            <a:ext cx="5041765" cy="292388"/>
+          </a:xfrm>
+          <a:prstGeom prst="rect">
+            <a:avLst/>
+          </a:prstGeom>
+          <a:noFill/>
+        </p:spPr>
+        <p:txBody>
+          <a:bodyPr wrap="none" rtlCol="0">
+            <a:spAutoFit/>
+          </a:bodyPr>
+          <a:lstStyle/>
+          <a:p>
+            <a:r>
+              <a:rPr lang="ko-KR" altLang="en-US" sz="1300" b="1" spc="2000" dirty="0"/>
+              <a:t>월 화 수 목 금 토 일</a:t>
+            </a:r>
+          </a:p>
+        </p:txBody>
+      </p:sp>
+      <p:sp>
+        <p:nvSpPr>
+          <p:cNvPr id="53" name="TextBox 52">
+            <a:extLst>
+              <a:ext uri="{FF2B5EF4-FFF2-40B4-BE49-F238E27FC236}">
+                <a16:creationId xmlns:a16="http://schemas.microsoft.com/office/drawing/2014/main" id="{8232909C-BFA2-41C8-A3A1-1B82421B55BC}"/>
+              </a:ext>
+            </a:extLst>
+          </p:cNvPr>
+          <p:cNvSpPr txBox="1"/>
+          <p:nvPr/>
+        </p:nvSpPr>
+        <p:spPr>
+          <a:xfrm>
+            <a:off x="5723466" y="1890024"/>
+            <a:ext cx="5376333" cy="3970318"/>
+          </a:xfrm>
+          <a:prstGeom prst="rect">
+            <a:avLst/>
+          </a:prstGeom>
+          <a:noFill/>
+        </p:spPr>
+        <p:txBody>
+          <a:bodyPr wrap="square" rtlCol="0">
+            <a:spAutoFit/>
+          </a:bodyPr>
+          <a:lstStyle/>
+          <a:p>
+            <a:r>
+              <a:rPr lang="en-US" altLang="ko-KR" dirty="0">
+                <a:solidFill>
+                  <a:schemeClr val="tx1">
+                    <a:lumMod val="50000"/>
+                    <a:lumOff val="50000"/>
+                  </a:schemeClr>
+                </a:solidFill>
+              </a:rPr>
+              <a:t>  </a:t>
+            </a:r>
+            <a:r>
+              <a:rPr lang="en-US" altLang="ko-KR" dirty="0">
+                <a:solidFill>
+                  <a:schemeClr val="bg2">
+                    <a:lumMod val="75000"/>
+                  </a:schemeClr>
+                </a:solidFill>
+              </a:rPr>
+              <a:t>26      27      28      </a:t>
+            </a:r>
+            <a:r>
+              <a:rPr lang="en-US" altLang="ko-KR" dirty="0"/>
+              <a:t>1        2        3       4</a:t>
+            </a:r>
+          </a:p>
+          <a:p>
+            <a:endParaRPr lang="en-US" altLang="ko-KR" dirty="0"/>
+          </a:p>
+          <a:p>
+            <a:endParaRPr lang="en-US" altLang="ko-KR" dirty="0"/>
+          </a:p>
+          <a:p>
+            <a:r>
+              <a:rPr lang="en-US" altLang="ko-KR" dirty="0"/>
+              <a:t>   5       6        7       8        9       10      11</a:t>
+            </a:r>
+          </a:p>
+          <a:p>
+            <a:endParaRPr lang="en-US" altLang="ko-KR" dirty="0"/>
+          </a:p>
+          <a:p>
+            <a:endParaRPr lang="en-US" altLang="ko-KR" dirty="0"/>
+          </a:p>
+          <a:p>
+            <a:r>
+              <a:rPr lang="en-US" altLang="ko-KR" dirty="0"/>
+              <a:t>  12      13      14      15      16      17      18</a:t>
+            </a:r>
+          </a:p>
+          <a:p>
+            <a:endParaRPr lang="en-US" altLang="ko-KR" dirty="0"/>
+          </a:p>
+          <a:p>
+            <a:endParaRPr lang="en-US" altLang="ko-KR" dirty="0"/>
+          </a:p>
+          <a:p>
+            <a:r>
+              <a:rPr lang="en-US" altLang="ko-KR" dirty="0"/>
+              <a:t>  19      20      21      22      23      24      25</a:t>
+            </a:r>
+          </a:p>
+          <a:p>
+            <a:endParaRPr lang="en-US" altLang="ko-KR" dirty="0"/>
+          </a:p>
+          <a:p>
+            <a:endParaRPr lang="en-US" altLang="ko-KR" dirty="0"/>
+          </a:p>
+          <a:p>
+            <a:r>
+              <a:rPr lang="en-US" altLang="ko-KR" dirty="0"/>
+              <a:t>  26      27      28      29      30      31       </a:t>
+            </a:r>
+            <a:r>
+              <a:rPr lang="en-US" altLang="ko-KR" dirty="0">
+                <a:solidFill>
+                  <a:schemeClr val="bg2">
+                    <a:lumMod val="75000"/>
+                  </a:schemeClr>
+                </a:solidFill>
+              </a:rPr>
+              <a:t>1</a:t>
+            </a:r>
+          </a:p>
+          <a:p>
+            <a:endParaRPr lang="en-US" altLang="ko-KR" dirty="0">
+              <a:solidFill>
+                <a:schemeClr val="tx1">
+                  <a:lumMod val="50000"/>
+                  <a:lumOff val="50000"/>
+                </a:schemeClr>
+              </a:solidFill>
+            </a:endParaRPr>
+          </a:p>
+        </p:txBody>
+      </p:sp>
+      <p:sp>
+        <p:nvSpPr>
+          <p:cNvPr id="56" name="TextBox 55">
+            <a:extLst>
+              <a:ext uri="{FF2B5EF4-FFF2-40B4-BE49-F238E27FC236}">
+                <a16:creationId xmlns:a16="http://schemas.microsoft.com/office/drawing/2014/main" id="{262C636A-C727-699D-F3CB-1CBD1A110B9D}"/>
+              </a:ext>
+            </a:extLst>
+          </p:cNvPr>
+          <p:cNvSpPr txBox="1"/>
+          <p:nvPr/>
+        </p:nvSpPr>
+        <p:spPr>
+          <a:xfrm>
+            <a:off x="10265910" y="1145726"/>
+            <a:ext cx="965329" cy="307777"/>
+          </a:xfrm>
+          <a:prstGeom prst="rect">
+            <a:avLst/>
+          </a:prstGeom>
+          <a:noFill/>
+        </p:spPr>
+        <p:txBody>
+          <a:bodyPr wrap="none" rtlCol="0">
+            <a:spAutoFit/>
+          </a:bodyPr>
+          <a:lstStyle/>
+          <a:p>
+            <a:r>
+              <a:rPr lang="ko-KR" altLang="en-US" sz="1400" dirty="0"/>
+              <a:t>주간 보기</a:t>
+            </a:r>
+          </a:p>
+        </p:txBody>
+      </p:sp>
+      <p:sp>
+        <p:nvSpPr>
+          <p:cNvPr id="57" name="직사각형 56">
+            <a:extLst>
+              <a:ext uri="{FF2B5EF4-FFF2-40B4-BE49-F238E27FC236}">
+                <a16:creationId xmlns:a16="http://schemas.microsoft.com/office/drawing/2014/main" id="{89158EE9-EC44-B605-4D7C-D781D0D22536}"/>
+              </a:ext>
+            </a:extLst>
+          </p:cNvPr>
+          <p:cNvSpPr/>
+          <p:nvPr/>
+        </p:nvSpPr>
+        <p:spPr>
+          <a:xfrm>
+            <a:off x="905928" y="1806401"/>
+            <a:ext cx="607859" cy="4519537"/>
+          </a:xfrm>
+          <a:prstGeom prst="rect">
+            <a:avLst/>
+          </a:prstGeom>
+          <a:noFill/>
+          <a:ln>
+            <a:solidFill>
+              <a:schemeClr val="tx1"/>
+            </a:solidFill>
+          </a:ln>
+        </p:spPr>
+        <p:style>
+          <a:lnRef idx="2">
+            <a:schemeClr val="accent1">
+              <a:shade val="50000"/>
+            </a:schemeClr>
+          </a:lnRef>
+          <a:fillRef idx="1">
+            <a:schemeClr val="accent1"/>
+          </a:fillRef>
+          <a:effectRef idx="0">
+            <a:schemeClr val="accent1"/>
+          </a:effectRef>
+          <a:fontRef idx="minor">
+            <a:schemeClr val="lt1"/>
+          </a:fontRef>
+        </p:style>
+        <p:txBody>
+          <a:bodyPr rtlCol="0" anchor="ctr"/>
+          <a:lstStyle/>
+          <a:p>
+            <a:pPr algn="ctr"/>
+            <a:endParaRPr lang="ko-KR" altLang="en-US"/>
+          </a:p>
+        </p:txBody>
+      </p:sp>
+      <p:sp>
+        <p:nvSpPr>
+          <p:cNvPr id="62" name="말풍선: 타원형 61">
+            <a:extLst>
+              <a:ext uri="{FF2B5EF4-FFF2-40B4-BE49-F238E27FC236}">
+                <a16:creationId xmlns:a16="http://schemas.microsoft.com/office/drawing/2014/main" id="{E2551C98-CB41-FA22-F79B-5163CA12DA46}"/>
+              </a:ext>
+            </a:extLst>
+          </p:cNvPr>
+          <p:cNvSpPr/>
+          <p:nvPr/>
+        </p:nvSpPr>
+        <p:spPr>
+          <a:xfrm>
+            <a:off x="1061692" y="5913839"/>
+            <a:ext cx="330200" cy="220243"/>
+          </a:xfrm>
+          <a:prstGeom prst="wedgeEllipseCallout">
+            <a:avLst/>
+          </a:prstGeom>
+          <a:solidFill>
+            <a:schemeClr val="bg1"/>
+          </a:solidFill>
+          <a:ln>
+            <a:solidFill>
+              <a:schemeClr val="tx1"/>
+            </a:solidFill>
+          </a:ln>
+        </p:spPr>
+        <p:style>
+          <a:lnRef idx="2">
+            <a:schemeClr val="accent1">
+              <a:shade val="50000"/>
+            </a:schemeClr>
+          </a:lnRef>
+          <a:fillRef idx="1">
+            <a:schemeClr val="accent1"/>
+          </a:fillRef>
+          <a:effectRef idx="0">
+            <a:schemeClr val="accent1"/>
+          </a:effectRef>
+          <a:fontRef idx="minor">
+            <a:schemeClr val="lt1"/>
+          </a:fontRef>
+        </p:style>
+        <p:txBody>
+          <a:bodyPr rtlCol="0" anchor="ctr"/>
+          <a:lstStyle/>
+          <a:p>
+            <a:pPr algn="ctr"/>
+            <a:endParaRPr lang="ko-KR" altLang="en-US"/>
+          </a:p>
+        </p:txBody>
+      </p:sp>
+      <p:sp>
+        <p:nvSpPr>
+          <p:cNvPr id="64" name="사각형: 둥근 모서리 63">
+            <a:extLst>
+              <a:ext uri="{FF2B5EF4-FFF2-40B4-BE49-F238E27FC236}">
+                <a16:creationId xmlns:a16="http://schemas.microsoft.com/office/drawing/2014/main" id="{68B90214-CF1E-7F88-9242-77B994F7B4BC}"/>
+              </a:ext>
+            </a:extLst>
+          </p:cNvPr>
+          <p:cNvSpPr/>
+          <p:nvPr/>
+        </p:nvSpPr>
+        <p:spPr>
+          <a:xfrm>
+            <a:off x="5283199" y="1864005"/>
+            <a:ext cx="45719" cy="4367461"/>
+          </a:xfrm>
+          <a:prstGeom prst="roundRect">
+            <a:avLst/>
+          </a:prstGeom>
+          <a:solidFill>
+            <a:schemeClr val="bg1"/>
+          </a:solidFill>
+          <a:ln>
+            <a:solidFill>
+              <a:schemeClr val="tx1"/>
+            </a:solidFill>
+          </a:ln>
+        </p:spPr>
+        <p:style>
+          <a:lnRef idx="2">
+            <a:schemeClr val="accent1">
+              <a:shade val="50000"/>
+            </a:schemeClr>
+          </a:lnRef>
+          <a:fillRef idx="1">
+            <a:schemeClr val="accent1"/>
+          </a:fillRef>
+          <a:effectRef idx="0">
+            <a:schemeClr val="accent1"/>
+          </a:effectRef>
+          <a:fontRef idx="minor">
+            <a:schemeClr val="lt1"/>
+          </a:fontRef>
+        </p:style>
+        <p:txBody>
+          <a:bodyPr rtlCol="0" anchor="ctr"/>
+          <a:lstStyle/>
+          <a:p>
+            <a:pPr algn="ctr"/>
+            <a:endParaRPr lang="ko-KR" altLang="en-US"/>
+          </a:p>
+        </p:txBody>
+      </p:sp>
+      <p:sp>
+        <p:nvSpPr>
+          <p:cNvPr id="65" name="TextBox 64">
+            <a:extLst>
+              <a:ext uri="{FF2B5EF4-FFF2-40B4-BE49-F238E27FC236}">
+                <a16:creationId xmlns:a16="http://schemas.microsoft.com/office/drawing/2014/main" id="{CBDC0A9C-CA98-0D7F-6A12-764D868AFE35}"/>
+              </a:ext>
+            </a:extLst>
+          </p:cNvPr>
+          <p:cNvSpPr txBox="1"/>
+          <p:nvPr/>
+        </p:nvSpPr>
+        <p:spPr>
+          <a:xfrm>
+            <a:off x="1513787" y="1820242"/>
+            <a:ext cx="543739" cy="261610"/>
+          </a:xfrm>
+          <a:prstGeom prst="rect">
+            <a:avLst/>
+          </a:prstGeom>
+          <a:noFill/>
+        </p:spPr>
+        <p:txBody>
+          <a:bodyPr wrap="none" rtlCol="0">
+            <a:spAutoFit/>
+          </a:bodyPr>
+          <a:lstStyle/>
+          <a:p>
+            <a:r>
+              <a:rPr lang="ko-KR" altLang="en-US" sz="1100" dirty="0">
+                <a:solidFill>
+                  <a:schemeClr val="bg2">
+                    <a:lumMod val="75000"/>
+                  </a:schemeClr>
+                </a:solidFill>
+              </a:rPr>
+              <a:t>팀원</a:t>
+            </a:r>
+            <a:r>
+              <a:rPr lang="en-US" altLang="ko-KR" sz="1100" dirty="0">
+                <a:solidFill>
+                  <a:schemeClr val="bg2">
+                    <a:lumMod val="75000"/>
+                  </a:schemeClr>
+                </a:solidFill>
+              </a:rPr>
+              <a:t>1</a:t>
+            </a:r>
+            <a:endParaRPr lang="ko-KR" altLang="en-US" sz="1100" dirty="0">
+              <a:solidFill>
+                <a:schemeClr val="bg2">
+                  <a:lumMod val="75000"/>
+                </a:schemeClr>
+              </a:solidFill>
+            </a:endParaRPr>
+          </a:p>
+        </p:txBody>
+      </p:sp>
+      <p:sp>
+        <p:nvSpPr>
+          <p:cNvPr id="66" name="TextBox 65">
+            <a:extLst>
+              <a:ext uri="{FF2B5EF4-FFF2-40B4-BE49-F238E27FC236}">
+                <a16:creationId xmlns:a16="http://schemas.microsoft.com/office/drawing/2014/main" id="{62FB313C-534F-0943-9B2E-72C6B8D6E545}"/>
+              </a:ext>
+            </a:extLst>
+          </p:cNvPr>
+          <p:cNvSpPr txBox="1"/>
+          <p:nvPr/>
+        </p:nvSpPr>
+        <p:spPr>
+          <a:xfrm>
+            <a:off x="1690098" y="2029172"/>
+            <a:ext cx="697627" cy="246221"/>
+          </a:xfrm>
+          <a:prstGeom prst="rect">
+            <a:avLst/>
+          </a:prstGeom>
+          <a:noFill/>
+        </p:spPr>
+        <p:txBody>
+          <a:bodyPr wrap="none" rtlCol="0">
+            <a:spAutoFit/>
+          </a:bodyPr>
+          <a:lstStyle/>
+          <a:p>
+            <a:r>
+              <a:rPr lang="ko-KR" altLang="en-US" sz="1000" dirty="0">
+                <a:solidFill>
+                  <a:schemeClr val="bg2">
+                    <a:lumMod val="75000"/>
+                  </a:schemeClr>
+                </a:solidFill>
+              </a:rPr>
+              <a:t>대화내용</a:t>
+            </a:r>
+          </a:p>
+        </p:txBody>
+      </p:sp>
+      <p:sp>
+        <p:nvSpPr>
+          <p:cNvPr id="67" name="TextBox 66">
+            <a:extLst>
+              <a:ext uri="{FF2B5EF4-FFF2-40B4-BE49-F238E27FC236}">
+                <a16:creationId xmlns:a16="http://schemas.microsoft.com/office/drawing/2014/main" id="{1C420A00-4A36-9698-ED77-8B266CBA3108}"/>
+              </a:ext>
+            </a:extLst>
+          </p:cNvPr>
+          <p:cNvSpPr txBox="1"/>
+          <p:nvPr/>
+        </p:nvSpPr>
+        <p:spPr>
+          <a:xfrm>
+            <a:off x="1513787" y="2353518"/>
+            <a:ext cx="543739" cy="261610"/>
+          </a:xfrm>
+          <a:prstGeom prst="rect">
+            <a:avLst/>
+          </a:prstGeom>
+          <a:noFill/>
+        </p:spPr>
+        <p:txBody>
+          <a:bodyPr wrap="none" rtlCol="0">
+            <a:spAutoFit/>
+          </a:bodyPr>
+          <a:lstStyle/>
+          <a:p>
+            <a:r>
+              <a:rPr lang="ko-KR" altLang="en-US" sz="1100" dirty="0">
+                <a:solidFill>
+                  <a:schemeClr val="bg2">
+                    <a:lumMod val="75000"/>
+                  </a:schemeClr>
+                </a:solidFill>
+              </a:rPr>
+              <a:t>팀원</a:t>
+            </a:r>
+            <a:r>
+              <a:rPr lang="en-US" altLang="ko-KR" sz="1100" dirty="0">
+                <a:solidFill>
+                  <a:schemeClr val="bg2">
+                    <a:lumMod val="75000"/>
+                  </a:schemeClr>
+                </a:solidFill>
+              </a:rPr>
+              <a:t>2</a:t>
+            </a:r>
+            <a:endParaRPr lang="ko-KR" altLang="en-US" sz="1100" dirty="0">
+              <a:solidFill>
+                <a:schemeClr val="bg2">
+                  <a:lumMod val="75000"/>
+                </a:schemeClr>
+              </a:solidFill>
+            </a:endParaRPr>
+          </a:p>
+        </p:txBody>
+      </p:sp>
+      <p:sp>
+        <p:nvSpPr>
+          <p:cNvPr id="68" name="TextBox 67">
+            <a:extLst>
+              <a:ext uri="{FF2B5EF4-FFF2-40B4-BE49-F238E27FC236}">
+                <a16:creationId xmlns:a16="http://schemas.microsoft.com/office/drawing/2014/main" id="{393CFB0D-D1F9-4475-A7C4-B05FDBB1CDAC}"/>
+              </a:ext>
+            </a:extLst>
+          </p:cNvPr>
+          <p:cNvSpPr txBox="1"/>
+          <p:nvPr/>
+        </p:nvSpPr>
+        <p:spPr>
+          <a:xfrm>
+            <a:off x="1690098" y="2562448"/>
+            <a:ext cx="697627" cy="246221"/>
+          </a:xfrm>
+          <a:prstGeom prst="rect">
+            <a:avLst/>
+          </a:prstGeom>
+          <a:noFill/>
+        </p:spPr>
+        <p:txBody>
+          <a:bodyPr wrap="none" rtlCol="0">
+            <a:spAutoFit/>
+          </a:bodyPr>
+          <a:lstStyle/>
+          <a:p>
+            <a:r>
+              <a:rPr lang="ko-KR" altLang="en-US" sz="1000" dirty="0">
+                <a:solidFill>
+                  <a:schemeClr val="bg2">
+                    <a:lumMod val="75000"/>
+                  </a:schemeClr>
+                </a:solidFill>
+              </a:rPr>
+              <a:t>대화내용</a:t>
+            </a:r>
+          </a:p>
+        </p:txBody>
+      </p:sp>
+      <p:sp>
+        <p:nvSpPr>
+          <p:cNvPr id="69" name="TextBox 68">
+            <a:extLst>
+              <a:ext uri="{FF2B5EF4-FFF2-40B4-BE49-F238E27FC236}">
+                <a16:creationId xmlns:a16="http://schemas.microsoft.com/office/drawing/2014/main" id="{B1DE9DBC-FE58-73DC-A9AE-12EED703ACD1}"/>
+              </a:ext>
+            </a:extLst>
+          </p:cNvPr>
+          <p:cNvSpPr txBox="1"/>
+          <p:nvPr/>
+        </p:nvSpPr>
+        <p:spPr>
+          <a:xfrm>
+            <a:off x="4761374" y="2820049"/>
+            <a:ext cx="466794" cy="261610"/>
+          </a:xfrm>
+          <a:prstGeom prst="rect">
+            <a:avLst/>
+          </a:prstGeom>
+          <a:noFill/>
+        </p:spPr>
+        <p:txBody>
+          <a:bodyPr wrap="none" rtlCol="0">
+            <a:spAutoFit/>
+          </a:bodyPr>
+          <a:lstStyle/>
+          <a:p>
+            <a:r>
+              <a:rPr lang="ko-KR" altLang="en-US" sz="1100" dirty="0">
+                <a:solidFill>
+                  <a:schemeClr val="bg2">
+                    <a:lumMod val="75000"/>
+                  </a:schemeClr>
+                </a:solidFill>
+              </a:rPr>
+              <a:t>본인</a:t>
+            </a:r>
+          </a:p>
+        </p:txBody>
+      </p:sp>
+      <p:sp>
+        <p:nvSpPr>
+          <p:cNvPr id="70" name="TextBox 69">
+            <a:extLst>
+              <a:ext uri="{FF2B5EF4-FFF2-40B4-BE49-F238E27FC236}">
+                <a16:creationId xmlns:a16="http://schemas.microsoft.com/office/drawing/2014/main" id="{E70CB4E2-246B-7C53-C52A-8A5D4B34F531}"/>
+              </a:ext>
+            </a:extLst>
+          </p:cNvPr>
+          <p:cNvSpPr txBox="1"/>
+          <p:nvPr/>
+        </p:nvSpPr>
+        <p:spPr>
+          <a:xfrm>
+            <a:off x="4441448" y="3023021"/>
+            <a:ext cx="697627" cy="246221"/>
+          </a:xfrm>
+          <a:prstGeom prst="rect">
+            <a:avLst/>
+          </a:prstGeom>
+          <a:noFill/>
+        </p:spPr>
+        <p:txBody>
+          <a:bodyPr wrap="none" rtlCol="0">
+            <a:spAutoFit/>
+          </a:bodyPr>
+          <a:lstStyle/>
+          <a:p>
+            <a:r>
+              <a:rPr lang="ko-KR" altLang="en-US" sz="1000" dirty="0">
+                <a:solidFill>
+                  <a:schemeClr val="bg2">
+                    <a:lumMod val="75000"/>
+                  </a:schemeClr>
+                </a:solidFill>
+              </a:rPr>
+              <a:t>대화내용</a:t>
+            </a:r>
+          </a:p>
+        </p:txBody>
+      </p:sp>
+      <p:sp>
+        <p:nvSpPr>
+          <p:cNvPr id="71" name="실행 단추: 도움말 70">
+            <a:hlinkClick r:id="" action="ppaction://noaction" highlightClick="1"/>
+            <a:extLst>
+              <a:ext uri="{FF2B5EF4-FFF2-40B4-BE49-F238E27FC236}">
+                <a16:creationId xmlns:a16="http://schemas.microsoft.com/office/drawing/2014/main" id="{BA21E9E5-68D9-5C56-E7A9-B03EE49F1109}"/>
+              </a:ext>
+            </a:extLst>
+          </p:cNvPr>
+          <p:cNvSpPr/>
+          <p:nvPr/>
+        </p:nvSpPr>
+        <p:spPr>
+          <a:xfrm>
+            <a:off x="1047705" y="1932200"/>
+            <a:ext cx="368328" cy="343193"/>
+          </a:xfrm>
+          <a:prstGeom prst="actionButtonHelp">
+            <a:avLst/>
+          </a:prstGeom>
+          <a:solidFill>
+            <a:schemeClr val="bg1"/>
+          </a:solidFill>
+          <a:ln>
+            <a:solidFill>
+              <a:schemeClr val="tx1"/>
+            </a:solidFill>
+          </a:ln>
+        </p:spPr>
+        <p:style>
+          <a:lnRef idx="2">
+            <a:schemeClr val="accent1">
+              <a:shade val="50000"/>
+            </a:schemeClr>
+          </a:lnRef>
+          <a:fillRef idx="1">
+            <a:schemeClr val="accent1"/>
+          </a:fillRef>
+          <a:effectRef idx="0">
+            <a:schemeClr val="accent1"/>
+          </a:effectRef>
+          <a:fontRef idx="minor">
+            <a:schemeClr val="lt1"/>
+          </a:fontRef>
+        </p:style>
+        <p:txBody>
+          <a:bodyPr rtlCol="0" anchor="ctr"/>
+          <a:lstStyle/>
+          <a:p>
+            <a:pPr algn="ctr"/>
+            <a:endParaRPr lang="ko-KR" altLang="en-US"/>
+          </a:p>
+        </p:txBody>
+      </p:sp>
+      <p:sp>
+        <p:nvSpPr>
+          <p:cNvPr id="72" name="두루마리 모양: 가로로 말림 71">
+            <a:extLst>
+              <a:ext uri="{FF2B5EF4-FFF2-40B4-BE49-F238E27FC236}">
+                <a16:creationId xmlns:a16="http://schemas.microsoft.com/office/drawing/2014/main" id="{4E2333CD-9557-3AC4-F606-ADDECEB875B1}"/>
+              </a:ext>
+            </a:extLst>
+          </p:cNvPr>
+          <p:cNvSpPr/>
+          <p:nvPr/>
+        </p:nvSpPr>
+        <p:spPr>
+          <a:xfrm>
+            <a:off x="1040140" y="2413751"/>
+            <a:ext cx="367426" cy="289747"/>
+          </a:xfrm>
+          <a:prstGeom prst="horizontalScroll">
+            <a:avLst/>
+          </a:prstGeom>
+          <a:solidFill>
+            <a:schemeClr val="bg1"/>
+          </a:solidFill>
+          <a:ln>
+            <a:solidFill>
+              <a:schemeClr val="tx1"/>
+            </a:solidFill>
+          </a:ln>
+        </p:spPr>
+        <p:style>
+          <a:lnRef idx="2">
+            <a:schemeClr val="accent1">
+              <a:shade val="50000"/>
+            </a:schemeClr>
+          </a:lnRef>
+          <a:fillRef idx="1">
+            <a:schemeClr val="accent1"/>
+          </a:fillRef>
+          <a:effectRef idx="0">
+            <a:schemeClr val="accent1"/>
+          </a:effectRef>
+          <a:fontRef idx="minor">
+            <a:schemeClr val="lt1"/>
+          </a:fontRef>
+        </p:style>
+        <p:txBody>
+          <a:bodyPr rtlCol="0" anchor="ctr"/>
+          <a:lstStyle/>
+          <a:p>
+            <a:pPr algn="ctr"/>
+            <a:endParaRPr lang="ko-KR" altLang="en-US"/>
+          </a:p>
+        </p:txBody>
+      </p:sp>
+      <p:sp>
+        <p:nvSpPr>
+          <p:cNvPr id="80" name="화살표: 아래로 구부러짐 79">
+            <a:extLst>
+              <a:ext uri="{FF2B5EF4-FFF2-40B4-BE49-F238E27FC236}">
+                <a16:creationId xmlns:a16="http://schemas.microsoft.com/office/drawing/2014/main" id="{237BC829-5E54-4A76-480F-7B820A98B6B8}"/>
+              </a:ext>
+            </a:extLst>
+          </p:cNvPr>
+          <p:cNvSpPr/>
+          <p:nvPr/>
+        </p:nvSpPr>
+        <p:spPr>
+          <a:xfrm flipH="1">
+            <a:off x="1040140" y="5538921"/>
+            <a:ext cx="347133" cy="160866"/>
+          </a:xfrm>
+          <a:prstGeom prst="curvedDownArrow">
+            <a:avLst/>
+          </a:prstGeom>
+          <a:solidFill>
+            <a:schemeClr val="bg1"/>
+          </a:solidFill>
+          <a:ln>
+            <a:solidFill>
+              <a:schemeClr val="tx1"/>
+            </a:solidFill>
+          </a:ln>
+        </p:spPr>
+        <p:style>
+          <a:lnRef idx="2">
+            <a:schemeClr val="accent1">
+              <a:shade val="50000"/>
+            </a:schemeClr>
+          </a:lnRef>
+          <a:fillRef idx="1">
+            <a:schemeClr val="accent1"/>
+          </a:fillRef>
+          <a:effectRef idx="0">
+            <a:schemeClr val="accent1"/>
+          </a:effectRef>
+          <a:fontRef idx="minor">
+            <a:schemeClr val="lt1"/>
+          </a:fontRef>
+        </p:style>
+        <p:txBody>
+          <a:bodyPr rtlCol="0" anchor="ctr"/>
+          <a:lstStyle/>
+          <a:p>
+            <a:pPr algn="ctr"/>
+            <a:endParaRPr lang="ko-KR" altLang="en-US">
+              <a:solidFill>
+                <a:schemeClr val="tx1"/>
+              </a:solidFill>
+            </a:endParaRPr>
+          </a:p>
+        </p:txBody>
+      </p:sp>
+      <p:sp>
+        <p:nvSpPr>
+          <p:cNvPr id="81" name="직사각형 80">
+            <a:extLst>
+              <a:ext uri="{FF2B5EF4-FFF2-40B4-BE49-F238E27FC236}">
+                <a16:creationId xmlns:a16="http://schemas.microsoft.com/office/drawing/2014/main" id="{FC24DB8C-13FA-1519-FEF0-C9AC44C4DCA4}"/>
+              </a:ext>
+            </a:extLst>
+          </p:cNvPr>
+          <p:cNvSpPr/>
+          <p:nvPr/>
+        </p:nvSpPr>
+        <p:spPr>
+          <a:xfrm>
+            <a:off x="1032933" y="2811583"/>
+            <a:ext cx="383100" cy="289748"/>
+          </a:xfrm>
+          <a:prstGeom prst="rect">
+            <a:avLst/>
+          </a:prstGeom>
+          <a:solidFill>
+            <a:schemeClr val="bg1"/>
+          </a:solidFill>
+          <a:ln>
+            <a:solidFill>
+              <a:schemeClr val="tx1"/>
+            </a:solidFill>
+          </a:ln>
+        </p:spPr>
+        <p:style>
+          <a:lnRef idx="2">
+            <a:schemeClr val="accent1">
+              <a:shade val="50000"/>
+            </a:schemeClr>
+          </a:lnRef>
+          <a:fillRef idx="1">
+            <a:schemeClr val="accent1"/>
+          </a:fillRef>
+          <a:effectRef idx="0">
+            <a:schemeClr val="accent1"/>
+          </a:effectRef>
+          <a:fontRef idx="minor">
+            <a:schemeClr val="lt1"/>
+          </a:fontRef>
+        </p:style>
+        <p:txBody>
+          <a:bodyPr rtlCol="0" anchor="ctr"/>
+          <a:lstStyle/>
+          <a:p>
+            <a:pPr algn="ctr"/>
+            <a:endParaRPr lang="ko-KR" altLang="en-US"/>
+          </a:p>
+        </p:txBody>
+      </p:sp>
+      <p:sp>
+        <p:nvSpPr>
+          <p:cNvPr id="82" name="직사각형 81">
+            <a:extLst>
+              <a:ext uri="{FF2B5EF4-FFF2-40B4-BE49-F238E27FC236}">
+                <a16:creationId xmlns:a16="http://schemas.microsoft.com/office/drawing/2014/main" id="{76DAA586-DE4E-B403-4AE1-2B3172F74381}"/>
+              </a:ext>
+            </a:extLst>
+          </p:cNvPr>
+          <p:cNvSpPr/>
+          <p:nvPr/>
+        </p:nvSpPr>
+        <p:spPr>
+          <a:xfrm>
+            <a:off x="1032442" y="2811581"/>
+            <a:ext cx="383100" cy="83875"/>
+          </a:xfrm>
+          <a:prstGeom prst="rect">
+            <a:avLst/>
+          </a:prstGeom>
+          <a:solidFill>
+            <a:schemeClr val="bg1"/>
+          </a:solidFill>
+          <a:ln>
+            <a:solidFill>
+              <a:schemeClr val="tx1"/>
+            </a:solidFill>
+          </a:ln>
+        </p:spPr>
+        <p:style>
+          <a:lnRef idx="2">
+            <a:schemeClr val="accent1">
+              <a:shade val="50000"/>
+            </a:schemeClr>
+          </a:lnRef>
+          <a:fillRef idx="1">
+            <a:schemeClr val="accent1"/>
+          </a:fillRef>
+          <a:effectRef idx="0">
+            <a:schemeClr val="accent1"/>
+          </a:effectRef>
+          <a:fontRef idx="minor">
+            <a:schemeClr val="lt1"/>
+          </a:fontRef>
+        </p:style>
+        <p:txBody>
+          <a:bodyPr rtlCol="0" anchor="ctr"/>
+          <a:lstStyle/>
+          <a:p>
+            <a:pPr algn="ctr"/>
+            <a:endParaRPr lang="ko-KR" altLang="en-US"/>
+          </a:p>
+        </p:txBody>
+      </p:sp>
+    </p:spTree>
+    <p:extLst>
+      <p:ext uri="{BB962C8B-B14F-4D97-AF65-F5344CB8AC3E}">
+        <p14:creationId xmlns:p14="http://schemas.microsoft.com/office/powerpoint/2010/main" val="1471113127"/>
+      </p:ext>
+    </p:extLst>
+  </p:cSld>
+  <p:clrMapOvr>
+    <a:masterClrMapping/>
+  </p:clrMapOvr>
+</p:sld>
+</file>
+
 <file path=ppt/theme/theme1.xml><?xml version="1.0" encoding="utf-8"?>
 <a:theme xmlns:a="http://schemas.openxmlformats.org/drawingml/2006/main" name="Office 테마">
   <a:themeElements>
@@ -10982,4 +13168,299 @@
     </a:ext>
   </a:extLst>
 </a:theme>
+</file>
+
+<file path=ppt/theme/theme2.xml><?xml version="1.0" encoding="utf-8"?>
+<a:theme xmlns:a="http://schemas.openxmlformats.org/drawingml/2006/main" name="Office 테마">
+  <a:themeElements>
+    <a:clrScheme name="Office">
+      <a:dk1>
+        <a:sysClr val="windowText" lastClr="000000"/>
+      </a:dk1>
+      <a:lt1>
+        <a:sysClr val="window" lastClr="FFFFFF"/>
+      </a:lt1>
+      <a:dk2>
+        <a:srgbClr val="44546A"/>
+      </a:dk2>
+      <a:lt2>
+        <a:srgbClr val="E7E6E6"/>
+      </a:lt2>
+      <a:accent1>
+        <a:srgbClr val="4472C4"/>
+      </a:accent1>
+      <a:accent2>
+        <a:srgbClr val="ED7D31"/>
+      </a:accent2>
+      <a:accent3>
+        <a:srgbClr val="A5A5A5"/>
+      </a:accent3>
+      <a:accent4>
+        <a:srgbClr val="FFC000"/>
+      </a:accent4>
+      <a:accent5>
+        <a:srgbClr val="5B9BD5"/>
+      </a:accent5>
+      <a:accent6>
+        <a:srgbClr val="70AD47"/>
+      </a:accent6>
+      <a:hlink>
+        <a:srgbClr val="0563C1"/>
+      </a:hlink>
+      <a:folHlink>
+        <a:srgbClr val="954F72"/>
+      </a:folHlink>
+    </a:clrScheme>
+    <a:fontScheme name="Office">
+      <a:majorFont>
+        <a:latin typeface="맑은 고딕" panose="020F0302020204030204"/>
+        <a:ea typeface=""/>
+        <a:cs typeface=""/>
+        <a:font script="Jpan" typeface="游ゴシック Light"/>
+        <a:font script="Hang" typeface="맑은 고딕"/>
+        <a:font script="Hans" typeface="等线 Light"/>
+        <a:font script="Hant" typeface="新細明體"/>
+        <a:font script="Arab" typeface="Times New Roman"/>
+        <a:font script="Hebr" typeface="Times New Roman"/>
+        <a:font script="Thai" typeface="Angsana New"/>
+        <a:font script="Ethi" typeface="Nyala"/>
+        <a:font script="Beng" typeface="Vrinda"/>
+        <a:font script="Gujr" typeface="Shruti"/>
+        <a:font script="Khmr" typeface="MoolBoran"/>
+        <a:font script="Knda" typeface="Tunga"/>
+        <a:font script="Guru" typeface="Raavi"/>
+        <a:font script="Cans" typeface="Euphemia"/>
+        <a:font script="Cher" typeface="Plantagenet Cherokee"/>
+        <a:font script="Yiii" typeface="Microsoft Yi Baiti"/>
+        <a:font script="Tibt" typeface="Microsoft Himalaya"/>
+        <a:font script="Thaa" typeface="MV Boli"/>
+        <a:font script="Deva" typeface="Mangal"/>
+        <a:font script="Telu" typeface="Gautami"/>
+        <a:font script="Taml" typeface="Latha"/>
+        <a:font script="Syrc" typeface="Estrangelo Edessa"/>
+        <a:font script="Orya" typeface="Kalinga"/>
+        <a:font script="Mlym" typeface="Kartika"/>
+        <a:font script="Laoo" typeface="DokChampa"/>
+        <a:font script="Sinh" typeface="Iskoola Pota"/>
+        <a:font script="Mong" typeface="Mongolian Baiti"/>
+        <a:font script="Viet" typeface="Times New Roman"/>
+        <a:font script="Uigh" typeface="Microsoft Uighur"/>
+        <a:font script="Geor" typeface="Sylfaen"/>
+        <a:font script="Armn" typeface="Arial"/>
+        <a:font script="Bugi" typeface="Leelawadee UI"/>
+        <a:font script="Bopo" typeface="Microsoft JhengHei"/>
+        <a:font script="Java" typeface="Javanese Text"/>
+        <a:font script="Lisu" typeface="Segoe UI"/>
+        <a:font script="Mymr" typeface="Myanmar Text"/>
+        <a:font script="Nkoo" typeface="Ebrima"/>
+        <a:font script="Olck" typeface="Nirmala UI"/>
+        <a:font script="Osma" typeface="Ebrima"/>
+        <a:font script="Phag" typeface="Phagspa"/>
+        <a:font script="Syrn" typeface="Estrangelo Edessa"/>
+        <a:font script="Syrj" typeface="Estrangelo Edessa"/>
+        <a:font script="Syre" typeface="Estrangelo Edessa"/>
+        <a:font script="Sora" typeface="Nirmala UI"/>
+        <a:font script="Tale" typeface="Microsoft Tai Le"/>
+        <a:font script="Talu" typeface="Microsoft New Tai Lue"/>
+        <a:font script="Tfng" typeface="Ebrima"/>
+      </a:majorFont>
+      <a:minorFont>
+        <a:latin typeface="맑은 고딕" panose="020F0502020204030204"/>
+        <a:ea typeface=""/>
+        <a:cs typeface=""/>
+        <a:font script="Jpan" typeface="游ゴシック"/>
+        <a:font script="Hang" typeface="맑은 고딕"/>
+        <a:font script="Hans" typeface="等线"/>
+        <a:font script="Hant" typeface="新細明體"/>
+        <a:font script="Arab" typeface="Arial"/>
+        <a:font script="Hebr" typeface="Arial"/>
+        <a:font script="Thai" typeface="Cordia New"/>
+        <a:font script="Ethi" typeface="Nyala"/>
+        <a:font script="Beng" typeface="Vrinda"/>
+        <a:font script="Gujr" typeface="Shruti"/>
+        <a:font script="Khmr" typeface="DaunPenh"/>
+        <a:font script="Knda" typeface="Tunga"/>
+        <a:font script="Guru" typeface="Raavi"/>
+        <a:font script="Cans" typeface="Euphemia"/>
+        <a:font script="Cher" typeface="Plantagenet Cherokee"/>
+        <a:font script="Yiii" typeface="Microsoft Yi Baiti"/>
+        <a:font script="Tibt" typeface="Microsoft Himalaya"/>
+        <a:font script="Thaa" typeface="MV Boli"/>
+        <a:font script="Deva" typeface="Mangal"/>
+        <a:font script="Telu" typeface="Gautami"/>
+        <a:font script="Taml" typeface="Latha"/>
+        <a:font script="Syrc" typeface="Estrangelo Edessa"/>
+        <a:font script="Orya" typeface="Kalinga"/>
+        <a:font script="Mlym" typeface="Kartika"/>
+        <a:font script="Laoo" typeface="DokChampa"/>
+        <a:font script="Sinh" typeface="Iskoola Pota"/>
+        <a:font script="Mong" typeface="Mongolian Baiti"/>
+        <a:font script="Viet" typeface="Arial"/>
+        <a:font script="Uigh" typeface="Microsoft Uighur"/>
+        <a:font script="Geor" typeface="Sylfaen"/>
+        <a:font script="Armn" typeface="Arial"/>
+        <a:font script="Bugi" typeface="Leelawadee UI"/>
+        <a:font script="Bopo" typeface="Microsoft JhengHei"/>
+        <a:font script="Java" typeface="Javanese Text"/>
+        <a:font script="Lisu" typeface="Segoe UI"/>
+        <a:font script="Mymr" typeface="Myanmar Text"/>
+        <a:font script="Nkoo" typeface="Ebrima"/>
+        <a:font script="Olck" typeface="Nirmala UI"/>
+        <a:font script="Osma" typeface="Ebrima"/>
+        <a:font script="Phag" typeface="Phagspa"/>
+        <a:font script="Syrn" typeface="Estrangelo Edessa"/>
+        <a:font script="Syrj" typeface="Estrangelo Edessa"/>
+        <a:font script="Syre" typeface="Estrangelo Edessa"/>
+        <a:font script="Sora" typeface="Nirmala UI"/>
+        <a:font script="Tale" typeface="Microsoft Tai Le"/>
+        <a:font script="Talu" typeface="Microsoft New Tai Lue"/>
+        <a:font script="Tfng" typeface="Ebrima"/>
+      </a:minorFont>
+    </a:fontScheme>
+    <a:fmtScheme name="Office">
+      <a:fillStyleLst>
+        <a:solidFill>
+          <a:schemeClr val="phClr"/>
+        </a:solidFill>
+        <a:gradFill rotWithShape="1">
+          <a:gsLst>
+            <a:gs pos="0">
+              <a:schemeClr val="phClr">
+                <a:lumMod val="110000"/>
+                <a:satMod val="105000"/>
+                <a:tint val="67000"/>
+              </a:schemeClr>
+            </a:gs>
+            <a:gs pos="50000">
+              <a:schemeClr val="phClr">
+                <a:lumMod val="105000"/>
+                <a:satMod val="103000"/>
+                <a:tint val="73000"/>
+              </a:schemeClr>
+            </a:gs>
+            <a:gs pos="100000">
+              <a:schemeClr val="phClr">
+                <a:lumMod val="105000"/>
+                <a:satMod val="109000"/>
+                <a:tint val="81000"/>
+              </a:schemeClr>
+            </a:gs>
+          </a:gsLst>
+          <a:lin ang="5400000" scaled="0"/>
+        </a:gradFill>
+        <a:gradFill rotWithShape="1">
+          <a:gsLst>
+            <a:gs pos="0">
+              <a:schemeClr val="phClr">
+                <a:satMod val="103000"/>
+                <a:lumMod val="102000"/>
+                <a:tint val="94000"/>
+              </a:schemeClr>
+            </a:gs>
+            <a:gs pos="50000">
+              <a:schemeClr val="phClr">
+                <a:satMod val="110000"/>
+                <a:lumMod val="100000"/>
+                <a:shade val="100000"/>
+              </a:schemeClr>
+            </a:gs>
+            <a:gs pos="100000">
+              <a:schemeClr val="phClr">
+                <a:lumMod val="99000"/>
+                <a:satMod val="120000"/>
+                <a:shade val="78000"/>
+              </a:schemeClr>
+            </a:gs>
+          </a:gsLst>
+          <a:lin ang="5400000" scaled="0"/>
+        </a:gradFill>
+      </a:fillStyleLst>
+      <a:lnStyleLst>
+        <a:ln w="6350" cap="flat" cmpd="sng" algn="ctr">
+          <a:solidFill>
+            <a:schemeClr val="phClr"/>
+          </a:solidFill>
+          <a:prstDash val="solid"/>
+          <a:miter lim="800000"/>
+        </a:ln>
+        <a:ln w="12700" cap="flat" cmpd="sng" algn="ctr">
+          <a:solidFill>
+            <a:schemeClr val="phClr"/>
+          </a:solidFill>
+          <a:prstDash val="solid"/>
+          <a:miter lim="800000"/>
+        </a:ln>
+        <a:ln w="19050" cap="flat" cmpd="sng" algn="ctr">
+          <a:solidFill>
+            <a:schemeClr val="phClr"/>
+          </a:solidFill>
+          <a:prstDash val="solid"/>
+          <a:miter lim="800000"/>
+        </a:ln>
+      </a:lnStyleLst>
+      <a:effectStyleLst>
+        <a:effectStyle>
+          <a:effectLst/>
+        </a:effectStyle>
+        <a:effectStyle>
+          <a:effectLst/>
+        </a:effectStyle>
+        <a:effectStyle>
+          <a:effectLst>
+            <a:outerShdw blurRad="57150" dist="19050" dir="5400000" algn="ctr" rotWithShape="0">
+              <a:srgbClr val="000000">
+                <a:alpha val="63000"/>
+              </a:srgbClr>
+            </a:outerShdw>
+          </a:effectLst>
+        </a:effectStyle>
+      </a:effectStyleLst>
+      <a:bgFillStyleLst>
+        <a:solidFill>
+          <a:schemeClr val="phClr"/>
+        </a:solidFill>
+        <a:solidFill>
+          <a:schemeClr val="phClr">
+            <a:tint val="95000"/>
+            <a:satMod val="170000"/>
+          </a:schemeClr>
+        </a:solidFill>
+        <a:gradFill rotWithShape="1">
+          <a:gsLst>
+            <a:gs pos="0">
+              <a:schemeClr val="phClr">
+                <a:tint val="93000"/>
+                <a:satMod val="150000"/>
+                <a:shade val="98000"/>
+                <a:lumMod val="102000"/>
+              </a:schemeClr>
+            </a:gs>
+            <a:gs pos="50000">
+              <a:schemeClr val="phClr">
+                <a:tint val="98000"/>
+                <a:satMod val="130000"/>
+                <a:shade val="90000"/>
+                <a:lumMod val="103000"/>
+              </a:schemeClr>
+            </a:gs>
+            <a:gs pos="100000">
+              <a:schemeClr val="phClr">
+                <a:shade val="63000"/>
+                <a:satMod val="120000"/>
+              </a:schemeClr>
+            </a:gs>
+          </a:gsLst>
+          <a:lin ang="5400000" scaled="0"/>
+        </a:gradFill>
+      </a:bgFillStyleLst>
+    </a:fmtScheme>
+  </a:themeElements>
+  <a:objectDefaults/>
+  <a:extraClrSchemeLst/>
+  <a:extLst>
+    <a:ext uri="{05A4C25C-085E-4340-85A3-A5531E510DB2}">
+      <thm15:themeFamily xmlns:thm15="http://schemas.microsoft.com/office/thememl/2012/main" name="Office Theme" id="{62F939B6-93AF-4DB8-9C6B-D6C7DFDC589F}" vid="{4A3C46E8-61CC-4603-A589-7422A47A8E4A}"/>
+    </a:ext>
+  </a:extLst>
+</a:theme>
 </file>